--- a/report/Presentation_Project_Team32-Final.pptx
+++ b/report/Presentation_Project_Team32-Final.pptx
@@ -5,10 +5,10 @@
     <p:sldMasterId id="2147483669" r:id="rId4"/>
   </p:sldMasterIdLst>
   <p:notesMasterIdLst>
-    <p:notesMasterId r:id="rId15"/>
+    <p:notesMasterId r:id="rId16"/>
   </p:notesMasterIdLst>
   <p:handoutMasterIdLst>
-    <p:handoutMasterId r:id="rId16"/>
+    <p:handoutMasterId r:id="rId17"/>
   </p:handoutMasterIdLst>
   <p:sldIdLst>
     <p:sldId id="256" r:id="rId5"/>
@@ -20,7 +20,8 @@
     <p:sldId id="274" r:id="rId11"/>
     <p:sldId id="278" r:id="rId12"/>
     <p:sldId id="275" r:id="rId13"/>
-    <p:sldId id="276" r:id="rId14"/>
+    <p:sldId id="279" r:id="rId14"/>
+    <p:sldId id="276" r:id="rId15"/>
   </p:sldIdLst>
   <p:sldSz cx="12192000" cy="6858000"/>
   <p:notesSz cx="6858000" cy="9144000"/>
@@ -14085,8 +14086,8 @@
         </p:nvSpPr>
         <p:spPr>
           <a:xfrm>
-            <a:off x="940129" y="2986273"/>
-            <a:ext cx="11170227" cy="1797630"/>
+            <a:off x="820133" y="2986273"/>
+            <a:ext cx="11243090" cy="1797630"/>
           </a:xfrm>
           <a:prstGeom prst="rect">
             <a:avLst/>
@@ -14126,7 +14127,29 @@
                 <a:ea typeface="Tahoma" panose="020B0604030504040204" pitchFamily="34" charset="0"/>
                 <a:cs typeface="Tahoma" panose="020B0604030504040204" pitchFamily="34" charset="0"/>
               </a:rPr>
-              <a:t>PHÁT HIỆN BẤT THƯỜNG TRONG DỮ</a:t>
+              <a:t>PHÁT HIỆN BẤT THƯỜNG </a:t>
+            </a:r>
+            <a:endParaRPr lang="en-US" sz="3800" b="1" dirty="0">
+              <a:solidFill>
+                <a:schemeClr val="tx2"/>
+              </a:solidFill>
+              <a:latin typeface="Tahoma" panose="020B0604030504040204" pitchFamily="34" charset="0"/>
+              <a:ea typeface="Tahoma" panose="020B0604030504040204" pitchFamily="34" charset="0"/>
+              <a:cs typeface="Tahoma" panose="020B0604030504040204" pitchFamily="34" charset="0"/>
+            </a:endParaRPr>
+          </a:p>
+          <a:p>
+            <a:pPr algn="ctr"/>
+            <a:r>
+              <a:rPr lang="vi-VN" sz="3800" b="1" dirty="0">
+                <a:solidFill>
+                  <a:schemeClr val="tx2"/>
+                </a:solidFill>
+                <a:latin typeface="Tahoma" panose="020B0604030504040204" pitchFamily="34" charset="0"/>
+                <a:ea typeface="Tahoma" panose="020B0604030504040204" pitchFamily="34" charset="0"/>
+                <a:cs typeface="Tahoma" panose="020B0604030504040204" pitchFamily="34" charset="0"/>
+              </a:rPr>
+              <a:t>TRONG DỮ</a:t>
             </a:r>
             <a:r>
               <a:rPr lang="en-US" sz="3800" b="1" dirty="0">
@@ -14606,6 +14629,136 @@
 </file>
 
 <file path=ppt/slides/slide10.xml><?xml version="1.0" encoding="utf-8"?>
+<p:sld xmlns:a="http://schemas.openxmlformats.org/drawingml/2006/main" xmlns:r="http://schemas.openxmlformats.org/officeDocument/2006/relationships" xmlns:p="http://schemas.openxmlformats.org/presentationml/2006/main">
+  <p:cSld>
+    <p:spTree>
+      <p:nvGrpSpPr>
+        <p:cNvPr id="1" name=""/>
+        <p:cNvGrpSpPr/>
+        <p:nvPr/>
+      </p:nvGrpSpPr>
+      <p:grpSpPr>
+        <a:xfrm>
+          <a:off x="0" y="0"/>
+          <a:ext cx="0" cy="0"/>
+          <a:chOff x="0" y="0"/>
+          <a:chExt cx="0" cy="0"/>
+        </a:xfrm>
+      </p:grpSpPr>
+      <p:sp>
+        <p:nvSpPr>
+          <p:cNvPr id="4" name="Title 1">
+            <a:extLst>
+              <a:ext uri="{FF2B5EF4-FFF2-40B4-BE49-F238E27FC236}">
+                <a16:creationId xmlns:a16="http://schemas.microsoft.com/office/drawing/2014/main" id="{0C8E6B05-BA06-DFE6-A55B-D6C7A0DF3579}"/>
+              </a:ext>
+            </a:extLst>
+          </p:cNvPr>
+          <p:cNvSpPr>
+            <a:spLocks noGrp="1"/>
+          </p:cNvSpPr>
+          <p:nvPr>
+            <p:ph type="title"/>
+          </p:nvPr>
+        </p:nvSpPr>
+        <p:spPr>
+          <a:xfrm>
+            <a:off x="1141413" y="619125"/>
+            <a:ext cx="9906000" cy="1477963"/>
+          </a:xfrm>
+        </p:spPr>
+        <p:txBody>
+          <a:bodyPr/>
+          <a:lstStyle/>
+          <a:p>
+            <a:r>
+              <a:rPr lang="en-US" b="1" dirty="0" err="1">
+                <a:latin typeface="Tahoma" panose="020B0604030504040204" pitchFamily="34" charset="0"/>
+                <a:ea typeface="Tahoma" panose="020B0604030504040204" pitchFamily="34" charset="0"/>
+                <a:cs typeface="Tahoma" panose="020B0604030504040204" pitchFamily="34" charset="0"/>
+              </a:rPr>
+              <a:t>tham</a:t>
+            </a:r>
+            <a:r>
+              <a:rPr lang="en-US" b="1" dirty="0">
+                <a:latin typeface="Tahoma" panose="020B0604030504040204" pitchFamily="34" charset="0"/>
+                <a:ea typeface="Tahoma" panose="020B0604030504040204" pitchFamily="34" charset="0"/>
+                <a:cs typeface="Tahoma" panose="020B0604030504040204" pitchFamily="34" charset="0"/>
+              </a:rPr>
+              <a:t> </a:t>
+            </a:r>
+            <a:r>
+              <a:rPr lang="en-US" b="1" dirty="0" err="1">
+                <a:latin typeface="Tahoma" panose="020B0604030504040204" pitchFamily="34" charset="0"/>
+                <a:ea typeface="Tahoma" panose="020B0604030504040204" pitchFamily="34" charset="0"/>
+                <a:cs typeface="Tahoma" panose="020B0604030504040204" pitchFamily="34" charset="0"/>
+              </a:rPr>
+              <a:t>khảo</a:t>
+            </a:r>
+            <a:endParaRPr lang="en-US" sz="2800" b="1" dirty="0"/>
+          </a:p>
+        </p:txBody>
+      </p:sp>
+      <p:sp>
+        <p:nvSpPr>
+          <p:cNvPr id="5" name="Content Placeholder 4">
+            <a:extLst>
+              <a:ext uri="{FF2B5EF4-FFF2-40B4-BE49-F238E27FC236}">
+                <a16:creationId xmlns:a16="http://schemas.microsoft.com/office/drawing/2014/main" id="{157ADED1-7166-CF1C-8797-17168736B4FE}"/>
+              </a:ext>
+            </a:extLst>
+          </p:cNvPr>
+          <p:cNvSpPr txBox="1">
+            <a:spLocks noGrp="1"/>
+          </p:cNvSpPr>
+          <p:nvPr>
+            <p:ph idx="1"/>
+          </p:nvPr>
+        </p:nvSpPr>
+        <p:spPr>
+          <a:xfrm>
+            <a:off x="952501" y="2478088"/>
+            <a:ext cx="10847387" cy="553870"/>
+          </a:xfrm>
+          <a:prstGeom prst="rect">
+            <a:avLst/>
+          </a:prstGeom>
+          <a:noFill/>
+        </p:spPr>
+        <p:txBody>
+          <a:bodyPr wrap="square" rtlCol="0">
+            <a:spAutoFit/>
+          </a:bodyPr>
+          <a:lstStyle/>
+          <a:p>
+            <a:pPr marL="0" indent="0">
+              <a:buNone/>
+            </a:pPr>
+            <a:r>
+              <a:rPr lang="en-US" sz="2800" b="1" dirty="0">
+                <a:latin typeface="Tahoma" panose="020B0604030504040204" pitchFamily="34" charset="0"/>
+                <a:ea typeface="Tahoma" panose="020B0604030504040204" pitchFamily="34" charset="0"/>
+                <a:cs typeface="Tahoma" panose="020B0604030504040204" pitchFamily="34" charset="0"/>
+              </a:rPr>
+              <a:t>https://github.com/buuhq-uit/uit-bigdata-cloud-team32</a:t>
+            </a:r>
+          </a:p>
+        </p:txBody>
+      </p:sp>
+    </p:spTree>
+    <p:extLst>
+      <p:ext uri="{BB962C8B-B14F-4D97-AF65-F5344CB8AC3E}">
+        <p14:creationId xmlns:p14="http://schemas.microsoft.com/office/powerpoint/2010/main" val="3876858140"/>
+      </p:ext>
+    </p:extLst>
+  </p:cSld>
+  <p:clrMapOvr>
+    <a:masterClrMapping/>
+  </p:clrMapOvr>
+</p:sld>
+</file>
+
+<file path=ppt/slides/slide11.xml><?xml version="1.0" encoding="utf-8"?>
 <p:sld xmlns:a="http://schemas.openxmlformats.org/drawingml/2006/main" xmlns:r="http://schemas.openxmlformats.org/officeDocument/2006/relationships" xmlns:p="http://schemas.openxmlformats.org/presentationml/2006/main">
   <p:cSld>
     <p:spTree>
@@ -16242,7 +16395,7 @@
         </p:nvSpPr>
         <p:spPr bwMode="auto">
           <a:xfrm>
-            <a:off x="1050646" y="1884527"/>
+            <a:off x="894781" y="1884527"/>
             <a:ext cx="5141624" cy="4708981"/>
           </a:xfrm>
           <a:prstGeom prst="rect">
@@ -17642,8 +17795,8 @@
         </p:nvSpPr>
         <p:spPr bwMode="auto">
           <a:xfrm>
-            <a:off x="6631277" y="1884526"/>
-            <a:ext cx="5141623" cy="4708981"/>
+            <a:off x="6368916" y="1941819"/>
+            <a:ext cx="5372811" cy="4708981"/>
           </a:xfrm>
           <a:prstGeom prst="rect">
             <a:avLst/>
@@ -17760,6 +17913,79 @@
               <a:t> </a:t>
             </a:r>
             <a:r>
+              <a:rPr lang="en-US" altLang="en-US" sz="2800" dirty="0" err="1">
+                <a:latin typeface="Arial" panose="020B0604020202020204" pitchFamily="34" charset="0"/>
+              </a:rPr>
+              <a:t>hệ</a:t>
+            </a:r>
+            <a:r>
+              <a:rPr lang="en-US" altLang="en-US" sz="2800" dirty="0">
+                <a:latin typeface="Arial" panose="020B0604020202020204" pitchFamily="34" charset="0"/>
+              </a:rPr>
+              <a:t> </a:t>
+            </a:r>
+            <a:r>
+              <a:rPr lang="en-US" altLang="en-US" sz="2800" dirty="0" err="1">
+                <a:latin typeface="Arial" panose="020B0604020202020204" pitchFamily="34" charset="0"/>
+              </a:rPr>
+              <a:t>thống</a:t>
+            </a:r>
+            <a:r>
+              <a:rPr lang="en-US" altLang="en-US" sz="2800" dirty="0">
+                <a:latin typeface="Arial" panose="020B0604020202020204" pitchFamily="34" charset="0"/>
+              </a:rPr>
+              <a:t> </a:t>
+            </a:r>
+            <a:r>
+              <a:rPr lang="en-US" altLang="en-US" sz="2800" dirty="0" err="1">
+                <a:latin typeface="Arial" panose="020B0604020202020204" pitchFamily="34" charset="0"/>
+              </a:rPr>
+              <a:t>có</a:t>
+            </a:r>
+            <a:r>
+              <a:rPr lang="en-US" altLang="en-US" sz="2800" dirty="0">
+                <a:latin typeface="Arial" panose="020B0604020202020204" pitchFamily="34" charset="0"/>
+              </a:rPr>
+              <a:t> </a:t>
+            </a:r>
+            <a:r>
+              <a:rPr lang="en-US" altLang="en-US" sz="2800" dirty="0" err="1">
+                <a:latin typeface="Arial" panose="020B0604020202020204" pitchFamily="34" charset="0"/>
+              </a:rPr>
+              <a:t>áp</a:t>
+            </a:r>
+            <a:r>
+              <a:rPr lang="en-US" altLang="en-US" sz="2800" dirty="0">
+                <a:latin typeface="Arial" panose="020B0604020202020204" pitchFamily="34" charset="0"/>
+              </a:rPr>
+              <a:t> </a:t>
+            </a:r>
+            <a:r>
+              <a:rPr lang="en-US" altLang="en-US" sz="2800" dirty="0" err="1">
+                <a:latin typeface="Arial" panose="020B0604020202020204" pitchFamily="34" charset="0"/>
+              </a:rPr>
+              <a:t>dụng</a:t>
+            </a:r>
+            <a:r>
+              <a:rPr lang="en-US" altLang="en-US" sz="2800" dirty="0">
+                <a:latin typeface="Arial" panose="020B0604020202020204" pitchFamily="34" charset="0"/>
+              </a:rPr>
+              <a:t> </a:t>
+            </a:r>
+            <a:r>
+              <a:rPr kumimoji="0" lang="en-US" altLang="en-US" sz="2800" b="0" i="0" u="none" strike="noStrike" cap="none" normalizeH="0" baseline="0" dirty="0">
+                <a:ln>
+                  <a:noFill/>
+                </a:ln>
+                <a:solidFill>
+                  <a:schemeClr val="tx1"/>
+                </a:solidFill>
+                <a:effectLst/>
+                <a:latin typeface="Arial" panose="020B0604020202020204" pitchFamily="34" charset="0"/>
+              </a:rPr>
+              <a:t>Big Data </a:t>
+            </a:r>
+            <a:r>
               <a:rPr kumimoji="0" lang="en-US" altLang="en-US" sz="2800" b="0" i="0" u="none" strike="noStrike" cap="none" normalizeH="0" baseline="0" dirty="0" err="1">
                 <a:ln>
                   <a:noFill/>
@@ -17770,7 +17996,7 @@
                 <a:effectLst/>
                 <a:latin typeface="Arial" panose="020B0604020202020204" pitchFamily="34" charset="0"/>
               </a:rPr>
-              <a:t>kiến</a:t>
+              <a:t>cho</a:t>
             </a:r>
             <a:r>
               <a:rPr kumimoji="0" lang="en-US" altLang="en-US" sz="2800" b="0" i="0" u="none" strike="noStrike" cap="none" normalizeH="0" baseline="0" dirty="0">
@@ -17796,7 +18022,7 @@
                 <a:effectLst/>
                 <a:latin typeface="Arial" panose="020B0604020202020204" pitchFamily="34" charset="0"/>
               </a:rPr>
-              <a:t>trúc</a:t>
+              <a:t>giám</a:t>
             </a:r>
             <a:r>
               <a:rPr kumimoji="0" lang="en-US" altLang="en-US" sz="2800" b="0" i="0" u="none" strike="noStrike" cap="none" normalizeH="0" baseline="0" dirty="0">
@@ -17809,7 +18035,7 @@
                 <a:effectLst/>
                 <a:latin typeface="Arial" panose="020B0604020202020204" pitchFamily="34" charset="0"/>
               </a:rPr>
-              <a:t> Big Data </a:t>
+              <a:t> </a:t>
             </a:r>
             <a:r>
               <a:rPr kumimoji="0" lang="en-US" altLang="en-US" sz="2800" b="0" i="0" u="none" strike="noStrike" cap="none" normalizeH="0" baseline="0" dirty="0" err="1">
@@ -17822,7 +18048,7 @@
                 <a:effectLst/>
                 <a:latin typeface="Arial" panose="020B0604020202020204" pitchFamily="34" charset="0"/>
               </a:rPr>
-              <a:t>cho</a:t>
+              <a:t>sát</a:t>
             </a:r>
             <a:r>
               <a:rPr kumimoji="0" lang="en-US" altLang="en-US" sz="2800" b="0" i="0" u="none" strike="noStrike" cap="none" normalizeH="0" baseline="0" dirty="0">
@@ -17848,7 +18074,25 @@
                 <a:effectLst/>
                 <a:latin typeface="Arial" panose="020B0604020202020204" pitchFamily="34" charset="0"/>
               </a:rPr>
-              <a:t>giám</a:t>
+              <a:t>dữ</a:t>
+            </a:r>
+            <a:r>
+              <a:rPr lang="en-US" altLang="en-US" sz="2800" dirty="0">
+                <a:latin typeface="Arial" panose="020B0604020202020204" pitchFamily="34" charset="0"/>
+              </a:rPr>
+              <a:t> </a:t>
+            </a:r>
+            <a:r>
+              <a:rPr lang="en-US" altLang="en-US" sz="2800" dirty="0" err="1">
+                <a:latin typeface="Arial" panose="020B0604020202020204" pitchFamily="34" charset="0"/>
+              </a:rPr>
+              <a:t>liệu</a:t>
+            </a:r>
+            <a:r>
+              <a:rPr lang="en-US" altLang="en-US" sz="2800" dirty="0">
+                <a:latin typeface="Arial" panose="020B0604020202020204" pitchFamily="34" charset="0"/>
+              </a:rPr>
+              <a:t> </a:t>
             </a:r>
             <a:r>
               <a:rPr kumimoji="0" lang="en-US" altLang="en-US" sz="2800" b="0" i="0" u="none" strike="noStrike" cap="none" normalizeH="0" baseline="0" dirty="0">
@@ -17861,37 +18105,11 @@
                 <a:effectLst/>
                 <a:latin typeface="Arial" panose="020B0604020202020204" pitchFamily="34" charset="0"/>
               </a:rPr>
-              <a:t> </a:t>
-            </a:r>
-            <a:r>
-              <a:rPr kumimoji="0" lang="en-US" altLang="en-US" sz="2800" b="0" i="0" u="none" strike="noStrike" cap="none" normalizeH="0" baseline="0" dirty="0" err="1">
-                <a:ln>
-                  <a:noFill/>
-                </a:ln>
-                <a:solidFill>
-                  <a:schemeClr val="tx1"/>
-                </a:solidFill>
-                <a:effectLst/>
-                <a:latin typeface="Arial" panose="020B0604020202020204" pitchFamily="34" charset="0"/>
-              </a:rPr>
-              <a:t>sát</a:t>
-            </a:r>
-            <a:r>
-              <a:rPr kumimoji="0" lang="en-US" altLang="en-US" sz="2800" b="0" i="0" u="none" strike="noStrike" cap="none" normalizeH="0" baseline="0" dirty="0">
-                <a:ln>
-                  <a:noFill/>
-                </a:ln>
-                <a:solidFill>
-                  <a:schemeClr val="tx1"/>
-                </a:solidFill>
-                <a:effectLst/>
-                <a:latin typeface="Arial" panose="020B0604020202020204" pitchFamily="34" charset="0"/>
-              </a:rPr>
-              <a:t> IoT</a:t>
+              <a:t>IoT</a:t>
             </a:r>
           </a:p>
           <a:p>
-            <a:pPr marR="0" lvl="0" algn="just" defTabSz="914400" rtl="0" eaLnBrk="0" fontAlgn="base" latinLnBrk="0" hangingPunct="0">
+            <a:pPr marL="457200" marR="0" lvl="0" indent="-457200" algn="l" defTabSz="914400" rtl="0" eaLnBrk="0" fontAlgn="base" latinLnBrk="0" hangingPunct="0">
               <a:lnSpc>
                 <a:spcPct val="100000"/>
               </a:lnSpc>
@@ -17903,8 +18121,335 @@
               </a:spcAft>
               <a:buClrTx/>
               <a:buSzTx/>
+              <a:buFont typeface="Wingdings" panose="05000000000000000000" pitchFamily="2" charset="2"/>
+              <a:buChar char="q"/>
               <a:tabLst/>
             </a:pPr>
+            <a:r>
+              <a:rPr kumimoji="0" lang="en-US" altLang="en-US" sz="2800" b="0" i="0" u="none" strike="noStrike" cap="none" normalizeH="0" baseline="0" dirty="0" err="1">
+                <a:ln>
+                  <a:noFill/>
+                </a:ln>
+                <a:solidFill>
+                  <a:schemeClr val="tx1"/>
+                </a:solidFill>
+                <a:effectLst/>
+                <a:latin typeface="Arial" panose="020B0604020202020204" pitchFamily="34" charset="0"/>
+              </a:rPr>
+              <a:t>Xử</a:t>
+            </a:r>
+            <a:r>
+              <a:rPr kumimoji="0" lang="en-US" altLang="en-US" sz="2800" b="0" i="0" u="none" strike="noStrike" cap="none" normalizeH="0" baseline="0" dirty="0">
+                <a:ln>
+                  <a:noFill/>
+                </a:ln>
+                <a:solidFill>
+                  <a:schemeClr val="tx1"/>
+                </a:solidFill>
+                <a:effectLst/>
+                <a:latin typeface="Arial" panose="020B0604020202020204" pitchFamily="34" charset="0"/>
+              </a:rPr>
+              <a:t> </a:t>
+            </a:r>
+            <a:r>
+              <a:rPr kumimoji="0" lang="en-US" altLang="en-US" sz="2800" b="0" i="0" u="none" strike="noStrike" cap="none" normalizeH="0" baseline="0" dirty="0" err="1">
+                <a:ln>
+                  <a:noFill/>
+                </a:ln>
+                <a:solidFill>
+                  <a:schemeClr val="tx1"/>
+                </a:solidFill>
+                <a:effectLst/>
+                <a:latin typeface="Arial" panose="020B0604020202020204" pitchFamily="34" charset="0"/>
+              </a:rPr>
+              <a:t>lý</a:t>
+            </a:r>
+            <a:r>
+              <a:rPr kumimoji="0" lang="en-US" altLang="en-US" sz="2800" b="0" i="0" u="none" strike="noStrike" cap="none" normalizeH="0" baseline="0" dirty="0">
+                <a:ln>
+                  <a:noFill/>
+                </a:ln>
+                <a:solidFill>
+                  <a:schemeClr val="tx1"/>
+                </a:solidFill>
+                <a:effectLst/>
+                <a:latin typeface="Arial" panose="020B0604020202020204" pitchFamily="34" charset="0"/>
+              </a:rPr>
+              <a:t> </a:t>
+            </a:r>
+            <a:r>
+              <a:rPr kumimoji="0" lang="en-US" altLang="en-US" sz="2800" b="0" i="0" u="none" strike="noStrike" cap="none" normalizeH="0" baseline="0" dirty="0" err="1">
+                <a:ln>
+                  <a:noFill/>
+                </a:ln>
+                <a:solidFill>
+                  <a:schemeClr val="tx1"/>
+                </a:solidFill>
+                <a:effectLst/>
+                <a:latin typeface="Arial" panose="020B0604020202020204" pitchFamily="34" charset="0"/>
+              </a:rPr>
+              <a:t>dữ</a:t>
+            </a:r>
+            <a:r>
+              <a:rPr kumimoji="0" lang="en-US" altLang="en-US" sz="2800" b="0" i="0" u="none" strike="noStrike" cap="none" normalizeH="0" baseline="0" dirty="0">
+                <a:ln>
+                  <a:noFill/>
+                </a:ln>
+                <a:solidFill>
+                  <a:schemeClr val="tx1"/>
+                </a:solidFill>
+                <a:effectLst/>
+                <a:latin typeface="Arial" panose="020B0604020202020204" pitchFamily="34" charset="0"/>
+              </a:rPr>
+              <a:t> </a:t>
+            </a:r>
+            <a:r>
+              <a:rPr kumimoji="0" lang="en-US" altLang="en-US" sz="2800" b="0" i="0" u="none" strike="noStrike" cap="none" normalizeH="0" baseline="0" dirty="0" err="1">
+                <a:ln>
+                  <a:noFill/>
+                </a:ln>
+                <a:solidFill>
+                  <a:schemeClr val="tx1"/>
+                </a:solidFill>
+                <a:effectLst/>
+                <a:latin typeface="Arial" panose="020B0604020202020204" pitchFamily="34" charset="0"/>
+              </a:rPr>
+              <a:t>liệu</a:t>
+            </a:r>
+            <a:r>
+              <a:rPr kumimoji="0" lang="en-US" altLang="en-US" sz="2800" b="0" i="0" u="none" strike="noStrike" cap="none" normalizeH="0" baseline="0" dirty="0">
+                <a:ln>
+                  <a:noFill/>
+                </a:ln>
+                <a:solidFill>
+                  <a:schemeClr val="tx1"/>
+                </a:solidFill>
+                <a:effectLst/>
+                <a:latin typeface="Arial" panose="020B0604020202020204" pitchFamily="34" charset="0"/>
+              </a:rPr>
+              <a:t> </a:t>
+            </a:r>
+            <a:r>
+              <a:rPr kumimoji="0" lang="en-US" altLang="en-US" sz="2800" b="0" i="0" u="none" strike="noStrike" cap="none" normalizeH="0" baseline="0" dirty="0" err="1">
+                <a:ln>
+                  <a:noFill/>
+                </a:ln>
+                <a:solidFill>
+                  <a:schemeClr val="tx1"/>
+                </a:solidFill>
+                <a:effectLst/>
+                <a:latin typeface="Arial" panose="020B0604020202020204" pitchFamily="34" charset="0"/>
+              </a:rPr>
+              <a:t>cảm</a:t>
+            </a:r>
+            <a:r>
+              <a:rPr kumimoji="0" lang="en-US" altLang="en-US" sz="2800" b="0" i="0" u="none" strike="noStrike" cap="none" normalizeH="0" baseline="0" dirty="0">
+                <a:ln>
+                  <a:noFill/>
+                </a:ln>
+                <a:solidFill>
+                  <a:schemeClr val="tx1"/>
+                </a:solidFill>
+                <a:effectLst/>
+                <a:latin typeface="Arial" panose="020B0604020202020204" pitchFamily="34" charset="0"/>
+              </a:rPr>
+              <a:t> </a:t>
+            </a:r>
+            <a:r>
+              <a:rPr kumimoji="0" lang="en-US" altLang="en-US" sz="2800" b="0" i="0" u="none" strike="noStrike" cap="none" normalizeH="0" baseline="0" dirty="0" err="1">
+                <a:ln>
+                  <a:noFill/>
+                </a:ln>
+                <a:solidFill>
+                  <a:schemeClr val="tx1"/>
+                </a:solidFill>
+                <a:effectLst/>
+                <a:latin typeface="Arial" panose="020B0604020202020204" pitchFamily="34" charset="0"/>
+              </a:rPr>
+              <a:t>biến</a:t>
+            </a:r>
+            <a:r>
+              <a:rPr kumimoji="0" lang="en-US" altLang="en-US" sz="2800" b="0" i="0" u="none" strike="noStrike" cap="none" normalizeH="0" baseline="0" dirty="0">
+                <a:ln>
+                  <a:noFill/>
+                </a:ln>
+                <a:solidFill>
+                  <a:schemeClr val="tx1"/>
+                </a:solidFill>
+                <a:effectLst/>
+                <a:latin typeface="Arial" panose="020B0604020202020204" pitchFamily="34" charset="0"/>
+              </a:rPr>
+              <a:t> </a:t>
+            </a:r>
+            <a:r>
+              <a:rPr kumimoji="0" lang="en-US" altLang="en-US" sz="2800" b="0" i="0" u="none" strike="noStrike" cap="none" normalizeH="0" baseline="0" dirty="0" err="1">
+                <a:ln>
+                  <a:noFill/>
+                </a:ln>
+                <a:solidFill>
+                  <a:schemeClr val="tx1"/>
+                </a:solidFill>
+                <a:effectLst/>
+                <a:latin typeface="Arial" panose="020B0604020202020204" pitchFamily="34" charset="0"/>
+              </a:rPr>
+              <a:t>theo</a:t>
+            </a:r>
+            <a:r>
+              <a:rPr kumimoji="0" lang="en-US" altLang="en-US" sz="2800" b="0" i="0" u="none" strike="noStrike" cap="none" normalizeH="0" baseline="0" dirty="0">
+                <a:ln>
+                  <a:noFill/>
+                </a:ln>
+                <a:solidFill>
+                  <a:schemeClr val="tx1"/>
+                </a:solidFill>
+                <a:effectLst/>
+                <a:latin typeface="Arial" panose="020B0604020202020204" pitchFamily="34" charset="0"/>
+              </a:rPr>
+              <a:t> </a:t>
+            </a:r>
+            <a:r>
+              <a:rPr kumimoji="0" lang="en-US" altLang="en-US" sz="2800" b="0" i="0" u="none" strike="noStrike" cap="none" normalizeH="0" baseline="0" dirty="0" err="1">
+                <a:ln>
+                  <a:noFill/>
+                </a:ln>
+                <a:solidFill>
+                  <a:schemeClr val="tx1"/>
+                </a:solidFill>
+                <a:effectLst/>
+                <a:latin typeface="Arial" panose="020B0604020202020204" pitchFamily="34" charset="0"/>
+              </a:rPr>
+              <a:t>thời</a:t>
+            </a:r>
+            <a:r>
+              <a:rPr kumimoji="0" lang="en-US" altLang="en-US" sz="2800" b="0" i="0" u="none" strike="noStrike" cap="none" normalizeH="0" baseline="0" dirty="0">
+                <a:ln>
+                  <a:noFill/>
+                </a:ln>
+                <a:solidFill>
+                  <a:schemeClr val="tx1"/>
+                </a:solidFill>
+                <a:effectLst/>
+                <a:latin typeface="Arial" panose="020B0604020202020204" pitchFamily="34" charset="0"/>
+              </a:rPr>
+              <a:t> </a:t>
+            </a:r>
+            <a:r>
+              <a:rPr kumimoji="0" lang="en-US" altLang="en-US" sz="2800" b="0" i="0" u="none" strike="noStrike" cap="none" normalizeH="0" baseline="0" dirty="0" err="1">
+                <a:ln>
+                  <a:noFill/>
+                </a:ln>
+                <a:solidFill>
+                  <a:schemeClr val="tx1"/>
+                </a:solidFill>
+                <a:effectLst/>
+                <a:latin typeface="Arial" panose="020B0604020202020204" pitchFamily="34" charset="0"/>
+              </a:rPr>
+              <a:t>gian</a:t>
+            </a:r>
+            <a:r>
+              <a:rPr kumimoji="0" lang="en-US" altLang="en-US" sz="2800" b="0" i="0" u="none" strike="noStrike" cap="none" normalizeH="0" baseline="0" dirty="0">
+                <a:ln>
+                  <a:noFill/>
+                </a:ln>
+                <a:solidFill>
+                  <a:schemeClr val="tx1"/>
+                </a:solidFill>
+                <a:effectLst/>
+                <a:latin typeface="Arial" panose="020B0604020202020204" pitchFamily="34" charset="0"/>
+              </a:rPr>
+              <a:t> </a:t>
+            </a:r>
+            <a:r>
+              <a:rPr kumimoji="0" lang="en-US" altLang="en-US" sz="2800" b="0" i="0" u="none" strike="noStrike" cap="none" normalizeH="0" baseline="0" dirty="0" err="1">
+                <a:ln>
+                  <a:noFill/>
+                </a:ln>
+                <a:solidFill>
+                  <a:schemeClr val="tx1"/>
+                </a:solidFill>
+                <a:effectLst/>
+                <a:latin typeface="Arial" panose="020B0604020202020204" pitchFamily="34" charset="0"/>
+              </a:rPr>
+              <a:t>thực</a:t>
+            </a:r>
+            <a:r>
+              <a:rPr kumimoji="0" lang="en-US" altLang="en-US" sz="2800" b="0" i="0" u="none" strike="noStrike" cap="none" normalizeH="0" baseline="0" dirty="0">
+                <a:ln>
+                  <a:noFill/>
+                </a:ln>
+                <a:solidFill>
+                  <a:schemeClr val="tx1"/>
+                </a:solidFill>
+                <a:effectLst/>
+                <a:latin typeface="Arial" panose="020B0604020202020204" pitchFamily="34" charset="0"/>
+              </a:rPr>
+              <a:t> </a:t>
+            </a:r>
+            <a:r>
+              <a:rPr kumimoji="0" lang="en-US" altLang="en-US" sz="2800" b="0" i="0" u="none" strike="noStrike" cap="none" normalizeH="0" baseline="0" dirty="0" err="1">
+                <a:ln>
+                  <a:noFill/>
+                </a:ln>
+                <a:solidFill>
+                  <a:schemeClr val="tx1"/>
+                </a:solidFill>
+                <a:effectLst/>
+                <a:latin typeface="Arial" panose="020B0604020202020204" pitchFamily="34" charset="0"/>
+              </a:rPr>
+              <a:t>và</a:t>
+            </a:r>
+            <a:r>
+              <a:rPr kumimoji="0" lang="en-US" altLang="en-US" sz="2800" b="0" i="0" u="none" strike="noStrike" cap="none" normalizeH="0" baseline="0" dirty="0">
+                <a:ln>
+                  <a:noFill/>
+                </a:ln>
+                <a:solidFill>
+                  <a:schemeClr val="tx1"/>
+                </a:solidFill>
+                <a:effectLst/>
+                <a:latin typeface="Arial" panose="020B0604020202020204" pitchFamily="34" charset="0"/>
+              </a:rPr>
+              <a:t> </a:t>
+            </a:r>
+            <a:r>
+              <a:rPr kumimoji="0" lang="en-US" altLang="en-US" sz="2800" b="0" i="0" u="none" strike="noStrike" cap="none" normalizeH="0" baseline="0" dirty="0" err="1">
+                <a:ln>
+                  <a:noFill/>
+                </a:ln>
+                <a:solidFill>
+                  <a:schemeClr val="tx1"/>
+                </a:solidFill>
+                <a:effectLst/>
+                <a:latin typeface="Arial" panose="020B0604020202020204" pitchFamily="34" charset="0"/>
+              </a:rPr>
+              <a:t>theo</a:t>
+            </a:r>
+            <a:r>
+              <a:rPr kumimoji="0" lang="en-US" altLang="en-US" sz="2800" b="0" i="0" u="none" strike="noStrike" cap="none" normalizeH="0" baseline="0" dirty="0">
+                <a:ln>
+                  <a:noFill/>
+                </a:ln>
+                <a:solidFill>
+                  <a:schemeClr val="tx1"/>
+                </a:solidFill>
+                <a:effectLst/>
+                <a:latin typeface="Arial" panose="020B0604020202020204" pitchFamily="34" charset="0"/>
+              </a:rPr>
+              <a:t> </a:t>
+            </a:r>
+            <a:r>
+              <a:rPr kumimoji="0" lang="en-US" altLang="en-US" sz="2800" b="0" i="0" u="none" strike="noStrike" cap="none" normalizeH="0" baseline="0" dirty="0" err="1">
+                <a:ln>
+                  <a:noFill/>
+                </a:ln>
+                <a:solidFill>
+                  <a:schemeClr val="tx1"/>
+                </a:solidFill>
+                <a:effectLst/>
+                <a:latin typeface="Arial" panose="020B0604020202020204" pitchFamily="34" charset="0"/>
+              </a:rPr>
+              <a:t>lô</a:t>
+            </a:r>
             <a:endParaRPr kumimoji="0" lang="en-US" altLang="en-US" sz="2800" b="0" i="0" u="none" strike="noStrike" cap="none" normalizeH="0" baseline="0" dirty="0">
               <a:ln>
                 <a:noFill/>
@@ -17944,7 +18489,7 @@
                 <a:effectLst/>
                 <a:latin typeface="Arial" panose="020B0604020202020204" pitchFamily="34" charset="0"/>
               </a:rPr>
-              <a:t>Xử</a:t>
+              <a:t>Phát</a:t>
             </a:r>
             <a:r>
               <a:rPr kumimoji="0" lang="en-US" altLang="en-US" sz="2800" b="0" i="0" u="none" strike="noStrike" cap="none" normalizeH="0" baseline="0" dirty="0">
@@ -17970,7 +18515,7 @@
                 <a:effectLst/>
                 <a:latin typeface="Arial" panose="020B0604020202020204" pitchFamily="34" charset="0"/>
               </a:rPr>
-              <a:t>lý</a:t>
+              <a:t>hiện</a:t>
             </a:r>
             <a:r>
               <a:rPr kumimoji="0" lang="en-US" altLang="en-US" sz="2800" b="0" i="0" u="none" strike="noStrike" cap="none" normalizeH="0" baseline="0" dirty="0">
@@ -17996,7 +18541,7 @@
                 <a:effectLst/>
                 <a:latin typeface="Arial" panose="020B0604020202020204" pitchFamily="34" charset="0"/>
               </a:rPr>
-              <a:t>dữ</a:t>
+              <a:t>bất</a:t>
             </a:r>
             <a:r>
               <a:rPr kumimoji="0" lang="en-US" altLang="en-US" sz="2800" b="0" i="0" u="none" strike="noStrike" cap="none" normalizeH="0" baseline="0" dirty="0">
@@ -18022,7 +18567,7 @@
                 <a:effectLst/>
                 <a:latin typeface="Arial" panose="020B0604020202020204" pitchFamily="34" charset="0"/>
               </a:rPr>
-              <a:t>liệu</a:t>
+              <a:t>thường</a:t>
             </a:r>
             <a:r>
               <a:rPr kumimoji="0" lang="en-US" altLang="en-US" sz="2800" b="0" i="0" u="none" strike="noStrike" cap="none" normalizeH="0" baseline="0" dirty="0">
@@ -18048,7 +18593,7 @@
                 <a:effectLst/>
                 <a:latin typeface="Arial" panose="020B0604020202020204" pitchFamily="34" charset="0"/>
               </a:rPr>
-              <a:t>cảm</a:t>
+              <a:t>cho</a:t>
             </a:r>
             <a:r>
               <a:rPr kumimoji="0" lang="en-US" altLang="en-US" sz="2800" b="0" i="0" u="none" strike="noStrike" cap="none" normalizeH="0" baseline="0" dirty="0">
@@ -18074,7 +18619,7 @@
                 <a:effectLst/>
                 <a:latin typeface="Arial" panose="020B0604020202020204" pitchFamily="34" charset="0"/>
               </a:rPr>
-              <a:t>biến</a:t>
+              <a:t>nhiệt</a:t>
             </a:r>
             <a:r>
               <a:rPr kumimoji="0" lang="en-US" altLang="en-US" sz="2800" b="0" i="0" u="none" strike="noStrike" cap="none" normalizeH="0" baseline="0" dirty="0">
@@ -18100,7 +18645,7 @@
                 <a:effectLst/>
                 <a:latin typeface="Arial" panose="020B0604020202020204" pitchFamily="34" charset="0"/>
               </a:rPr>
-              <a:t>theo</a:t>
+              <a:t>độ</a:t>
             </a:r>
             <a:r>
               <a:rPr kumimoji="0" lang="en-US" altLang="en-US" sz="2800" b="0" i="0" u="none" strike="noStrike" cap="none" normalizeH="0" baseline="0" dirty="0">
@@ -18113,6 +18658,32 @@
                 <a:effectLst/>
                 <a:latin typeface="Arial" panose="020B0604020202020204" pitchFamily="34" charset="0"/>
               </a:rPr>
+              <a:t>, </a:t>
+            </a:r>
+            <a:r>
+              <a:rPr kumimoji="0" lang="en-US" altLang="en-US" sz="2800" b="0" i="0" u="none" strike="noStrike" cap="none" normalizeH="0" baseline="0" dirty="0" err="1">
+                <a:ln>
+                  <a:noFill/>
+                </a:ln>
+                <a:solidFill>
+                  <a:schemeClr val="tx1"/>
+                </a:solidFill>
+                <a:effectLst/>
+                <a:latin typeface="Arial" panose="020B0604020202020204" pitchFamily="34" charset="0"/>
+              </a:rPr>
+              <a:t>độ</a:t>
+            </a:r>
+            <a:r>
+              <a:rPr kumimoji="0" lang="en-US" altLang="en-US" sz="2800" b="0" i="0" u="none" strike="noStrike" cap="none" normalizeH="0" baseline="0" dirty="0">
+                <a:ln>
+                  <a:noFill/>
+                </a:ln>
+                <a:solidFill>
+                  <a:schemeClr val="tx1"/>
+                </a:solidFill>
+                <a:effectLst/>
+                <a:latin typeface="Arial" panose="020B0604020202020204" pitchFamily="34" charset="0"/>
+              </a:rPr>
               <a:t> </a:t>
             </a:r>
             <a:r>
@@ -18126,7 +18697,7 @@
                 <a:effectLst/>
                 <a:latin typeface="Arial" panose="020B0604020202020204" pitchFamily="34" charset="0"/>
               </a:rPr>
-              <a:t>thời</a:t>
+              <a:t>ẩm</a:t>
             </a:r>
             <a:r>
               <a:rPr kumimoji="0" lang="en-US" altLang="en-US" sz="2800" b="0" i="0" u="none" strike="noStrike" cap="none" normalizeH="0" baseline="0" dirty="0">
@@ -18139,6 +18710,32 @@
                 <a:effectLst/>
                 <a:latin typeface="Arial" panose="020B0604020202020204" pitchFamily="34" charset="0"/>
               </a:rPr>
+              <a:t>, </a:t>
+            </a:r>
+            <a:r>
+              <a:rPr kumimoji="0" lang="en-US" altLang="en-US" sz="2800" b="0" i="0" u="none" strike="noStrike" cap="none" normalizeH="0" baseline="0" dirty="0" err="1">
+                <a:ln>
+                  <a:noFill/>
+                </a:ln>
+                <a:solidFill>
+                  <a:schemeClr val="tx1"/>
+                </a:solidFill>
+                <a:effectLst/>
+                <a:latin typeface="Arial" panose="020B0604020202020204" pitchFamily="34" charset="0"/>
+              </a:rPr>
+              <a:t>độ</a:t>
+            </a:r>
+            <a:r>
+              <a:rPr kumimoji="0" lang="en-US" altLang="en-US" sz="2800" b="0" i="0" u="none" strike="noStrike" cap="none" normalizeH="0" baseline="0" dirty="0">
+                <a:ln>
+                  <a:noFill/>
+                </a:ln>
+                <a:solidFill>
+                  <a:schemeClr val="tx1"/>
+                </a:solidFill>
+                <a:effectLst/>
+                <a:latin typeface="Arial" panose="020B0604020202020204" pitchFamily="34" charset="0"/>
+              </a:rPr>
               <a:t> </a:t>
             </a:r>
             <a:r>
@@ -18152,7 +18749,7 @@
                 <a:effectLst/>
                 <a:latin typeface="Arial" panose="020B0604020202020204" pitchFamily="34" charset="0"/>
               </a:rPr>
-              <a:t>gian</a:t>
+              <a:t>ẩm</a:t>
             </a:r>
             <a:r>
               <a:rPr kumimoji="0" lang="en-US" altLang="en-US" sz="2800" b="0" i="0" u="none" strike="noStrike" cap="none" normalizeH="0" baseline="0" dirty="0">
@@ -18178,7 +18775,7 @@
                 <a:effectLst/>
                 <a:latin typeface="Arial" panose="020B0604020202020204" pitchFamily="34" charset="0"/>
               </a:rPr>
-              <a:t>thực</a:t>
+              <a:t>đất</a:t>
             </a:r>
             <a:r>
               <a:rPr kumimoji="0" lang="en-US" altLang="en-US" sz="2800" b="0" i="0" u="none" strike="noStrike" cap="none" normalizeH="0" baseline="0" dirty="0">
@@ -18191,86 +18788,11 @@
                 <a:effectLst/>
                 <a:latin typeface="Arial" panose="020B0604020202020204" pitchFamily="34" charset="0"/>
               </a:rPr>
-              <a:t> </a:t>
-            </a:r>
-            <a:r>
-              <a:rPr kumimoji="0" lang="en-US" altLang="en-US" sz="2800" b="0" i="0" u="none" strike="noStrike" cap="none" normalizeH="0" baseline="0" dirty="0" err="1">
-                <a:ln>
-                  <a:noFill/>
-                </a:ln>
-                <a:solidFill>
-                  <a:schemeClr val="tx1"/>
-                </a:solidFill>
-                <a:effectLst/>
-                <a:latin typeface="Arial" panose="020B0604020202020204" pitchFamily="34" charset="0"/>
-              </a:rPr>
-              <a:t>và</a:t>
-            </a:r>
-            <a:r>
-              <a:rPr kumimoji="0" lang="en-US" altLang="en-US" sz="2800" b="0" i="0" u="none" strike="noStrike" cap="none" normalizeH="0" baseline="0" dirty="0">
-                <a:ln>
-                  <a:noFill/>
-                </a:ln>
-                <a:solidFill>
-                  <a:schemeClr val="tx1"/>
-                </a:solidFill>
-                <a:effectLst/>
-                <a:latin typeface="Arial" panose="020B0604020202020204" pitchFamily="34" charset="0"/>
-              </a:rPr>
-              <a:t> </a:t>
-            </a:r>
-            <a:r>
-              <a:rPr kumimoji="0" lang="en-US" altLang="en-US" sz="2800" b="0" i="0" u="none" strike="noStrike" cap="none" normalizeH="0" baseline="0" dirty="0" err="1">
-                <a:ln>
-                  <a:noFill/>
-                </a:ln>
-                <a:solidFill>
-                  <a:schemeClr val="tx1"/>
-                </a:solidFill>
-                <a:effectLst/>
-                <a:latin typeface="Arial" panose="020B0604020202020204" pitchFamily="34" charset="0"/>
-              </a:rPr>
-              <a:t>theo</a:t>
-            </a:r>
-            <a:r>
-              <a:rPr kumimoji="0" lang="en-US" altLang="en-US" sz="2800" b="0" i="0" u="none" strike="noStrike" cap="none" normalizeH="0" baseline="0" dirty="0">
-                <a:ln>
-                  <a:noFill/>
-                </a:ln>
-                <a:solidFill>
-                  <a:schemeClr val="tx1"/>
-                </a:solidFill>
-                <a:effectLst/>
-                <a:latin typeface="Arial" panose="020B0604020202020204" pitchFamily="34" charset="0"/>
-              </a:rPr>
-              <a:t> </a:t>
-            </a:r>
-            <a:r>
-              <a:rPr kumimoji="0" lang="en-US" altLang="en-US" sz="2800" b="0" i="0" u="none" strike="noStrike" cap="none" normalizeH="0" baseline="0" dirty="0" err="1">
-                <a:ln>
-                  <a:noFill/>
-                </a:ln>
-                <a:solidFill>
-                  <a:schemeClr val="tx1"/>
-                </a:solidFill>
-                <a:effectLst/>
-                <a:latin typeface="Arial" panose="020B0604020202020204" pitchFamily="34" charset="0"/>
-              </a:rPr>
-              <a:t>lô</a:t>
-            </a:r>
-            <a:endParaRPr kumimoji="0" lang="en-US" altLang="en-US" sz="2800" b="0" i="0" u="none" strike="noStrike" cap="none" normalizeH="0" baseline="0" dirty="0">
-              <a:ln>
-                <a:noFill/>
-              </a:ln>
-              <a:solidFill>
-                <a:schemeClr val="tx1"/>
-              </a:solidFill>
-              <a:effectLst/>
-              <a:latin typeface="Arial" panose="020B0604020202020204" pitchFamily="34" charset="0"/>
-            </a:endParaRPr>
+              <a:t>…</a:t>
+            </a:r>
           </a:p>
           <a:p>
-            <a:pPr marL="457200" marR="0" lvl="0" indent="-457200" algn="l" defTabSz="914400" rtl="0" eaLnBrk="0" fontAlgn="base" latinLnBrk="0" hangingPunct="0">
+            <a:pPr marR="0" lvl="0" algn="l" defTabSz="914400" rtl="0" eaLnBrk="0" fontAlgn="base" latinLnBrk="0" hangingPunct="0">
               <a:lnSpc>
                 <a:spcPct val="100000"/>
               </a:lnSpc>
@@ -18282,322 +18804,18 @@
               </a:spcAft>
               <a:buClrTx/>
               <a:buSzTx/>
-              <a:buFont typeface="Wingdings" panose="05000000000000000000" pitchFamily="2" charset="2"/>
-              <a:buChar char="q"/>
               <a:tabLst/>
             </a:pPr>
-            <a:r>
-              <a:rPr kumimoji="0" lang="en-US" altLang="en-US" sz="2800" b="0" i="0" u="none" strike="noStrike" cap="none" normalizeH="0" baseline="0" dirty="0" err="1">
-                <a:ln>
-                  <a:noFill/>
-                </a:ln>
-                <a:solidFill>
-                  <a:schemeClr val="tx1"/>
-                </a:solidFill>
-                <a:effectLst/>
-                <a:latin typeface="Arial" panose="020B0604020202020204" pitchFamily="34" charset="0"/>
-              </a:rPr>
-              <a:t>Phát</a:t>
-            </a:r>
-            <a:r>
-              <a:rPr kumimoji="0" lang="en-US" altLang="en-US" sz="2800" b="0" i="0" u="none" strike="noStrike" cap="none" normalizeH="0" baseline="0" dirty="0">
-                <a:ln>
-                  <a:noFill/>
-                </a:ln>
-                <a:solidFill>
-                  <a:schemeClr val="tx1"/>
-                </a:solidFill>
-                <a:effectLst/>
-                <a:latin typeface="Arial" panose="020B0604020202020204" pitchFamily="34" charset="0"/>
-              </a:rPr>
-              <a:t> </a:t>
-            </a:r>
-            <a:r>
-              <a:rPr kumimoji="0" lang="en-US" altLang="en-US" sz="2800" b="0" i="0" u="none" strike="noStrike" cap="none" normalizeH="0" baseline="0" dirty="0" err="1">
-                <a:ln>
-                  <a:noFill/>
-                </a:ln>
-                <a:solidFill>
-                  <a:schemeClr val="tx1"/>
-                </a:solidFill>
-                <a:effectLst/>
-                <a:latin typeface="Arial" panose="020B0604020202020204" pitchFamily="34" charset="0"/>
-              </a:rPr>
-              <a:t>hiện</a:t>
-            </a:r>
-            <a:r>
-              <a:rPr kumimoji="0" lang="en-US" altLang="en-US" sz="2800" b="0" i="0" u="none" strike="noStrike" cap="none" normalizeH="0" baseline="0" dirty="0">
-                <a:ln>
-                  <a:noFill/>
-                </a:ln>
-                <a:solidFill>
-                  <a:schemeClr val="tx1"/>
-                </a:solidFill>
-                <a:effectLst/>
-                <a:latin typeface="Arial" panose="020B0604020202020204" pitchFamily="34" charset="0"/>
-              </a:rPr>
-              <a:t> </a:t>
-            </a:r>
-            <a:r>
-              <a:rPr kumimoji="0" lang="en-US" altLang="en-US" sz="2800" b="0" i="0" u="none" strike="noStrike" cap="none" normalizeH="0" baseline="0" dirty="0" err="1">
-                <a:ln>
-                  <a:noFill/>
-                </a:ln>
-                <a:solidFill>
-                  <a:schemeClr val="tx1"/>
-                </a:solidFill>
-                <a:effectLst/>
-                <a:latin typeface="Arial" panose="020B0604020202020204" pitchFamily="34" charset="0"/>
-              </a:rPr>
-              <a:t>bất</a:t>
-            </a:r>
-            <a:r>
-              <a:rPr kumimoji="0" lang="en-US" altLang="en-US" sz="2800" b="0" i="0" u="none" strike="noStrike" cap="none" normalizeH="0" baseline="0" dirty="0">
-                <a:ln>
-                  <a:noFill/>
-                </a:ln>
-                <a:solidFill>
-                  <a:schemeClr val="tx1"/>
-                </a:solidFill>
-                <a:effectLst/>
-                <a:latin typeface="Arial" panose="020B0604020202020204" pitchFamily="34" charset="0"/>
-              </a:rPr>
-              <a:t> </a:t>
-            </a:r>
-            <a:r>
-              <a:rPr kumimoji="0" lang="en-US" altLang="en-US" sz="2800" b="0" i="0" u="none" strike="noStrike" cap="none" normalizeH="0" baseline="0" dirty="0" err="1">
-                <a:ln>
-                  <a:noFill/>
-                </a:ln>
-                <a:solidFill>
-                  <a:schemeClr val="tx1"/>
-                </a:solidFill>
-                <a:effectLst/>
-                <a:latin typeface="Arial" panose="020B0604020202020204" pitchFamily="34" charset="0"/>
-              </a:rPr>
-              <a:t>thường</a:t>
-            </a:r>
-            <a:r>
-              <a:rPr kumimoji="0" lang="en-US" altLang="en-US" sz="2800" b="0" i="0" u="none" strike="noStrike" cap="none" normalizeH="0" baseline="0" dirty="0">
-                <a:ln>
-                  <a:noFill/>
-                </a:ln>
-                <a:solidFill>
-                  <a:schemeClr val="tx1"/>
-                </a:solidFill>
-                <a:effectLst/>
-                <a:latin typeface="Arial" panose="020B0604020202020204" pitchFamily="34" charset="0"/>
-              </a:rPr>
-              <a:t> </a:t>
-            </a:r>
-            <a:r>
-              <a:rPr kumimoji="0" lang="en-US" altLang="en-US" sz="2800" b="0" i="0" u="none" strike="noStrike" cap="none" normalizeH="0" baseline="0" dirty="0" err="1">
-                <a:ln>
-                  <a:noFill/>
-                </a:ln>
-                <a:solidFill>
-                  <a:schemeClr val="tx1"/>
-                </a:solidFill>
-                <a:effectLst/>
-                <a:latin typeface="Arial" panose="020B0604020202020204" pitchFamily="34" charset="0"/>
-              </a:rPr>
-              <a:t>cho</a:t>
-            </a:r>
-            <a:r>
-              <a:rPr kumimoji="0" lang="en-US" altLang="en-US" sz="2800" b="0" i="0" u="none" strike="noStrike" cap="none" normalizeH="0" baseline="0" dirty="0">
-                <a:ln>
-                  <a:noFill/>
-                </a:ln>
-                <a:solidFill>
-                  <a:schemeClr val="tx1"/>
-                </a:solidFill>
-                <a:effectLst/>
-                <a:latin typeface="Arial" panose="020B0604020202020204" pitchFamily="34" charset="0"/>
-              </a:rPr>
-              <a:t> </a:t>
-            </a:r>
-            <a:r>
-              <a:rPr kumimoji="0" lang="en-US" altLang="en-US" sz="2800" b="0" i="0" u="none" strike="noStrike" cap="none" normalizeH="0" baseline="0" dirty="0" err="1">
-                <a:ln>
-                  <a:noFill/>
-                </a:ln>
-                <a:solidFill>
-                  <a:schemeClr val="tx1"/>
-                </a:solidFill>
-                <a:effectLst/>
-                <a:latin typeface="Arial" panose="020B0604020202020204" pitchFamily="34" charset="0"/>
-              </a:rPr>
-              <a:t>nhiệt</a:t>
-            </a:r>
-            <a:r>
-              <a:rPr kumimoji="0" lang="en-US" altLang="en-US" sz="2800" b="0" i="0" u="none" strike="noStrike" cap="none" normalizeH="0" baseline="0" dirty="0">
-                <a:ln>
-                  <a:noFill/>
-                </a:ln>
-                <a:solidFill>
-                  <a:schemeClr val="tx1"/>
-                </a:solidFill>
-                <a:effectLst/>
-                <a:latin typeface="Arial" panose="020B0604020202020204" pitchFamily="34" charset="0"/>
-              </a:rPr>
-              <a:t> </a:t>
-            </a:r>
-            <a:r>
-              <a:rPr kumimoji="0" lang="en-US" altLang="en-US" sz="2800" b="0" i="0" u="none" strike="noStrike" cap="none" normalizeH="0" baseline="0" dirty="0" err="1">
-                <a:ln>
-                  <a:noFill/>
-                </a:ln>
-                <a:solidFill>
-                  <a:schemeClr val="tx1"/>
-                </a:solidFill>
-                <a:effectLst/>
-                <a:latin typeface="Arial" panose="020B0604020202020204" pitchFamily="34" charset="0"/>
-              </a:rPr>
-              <a:t>độ</a:t>
-            </a:r>
-            <a:r>
-              <a:rPr kumimoji="0" lang="en-US" altLang="en-US" sz="2800" b="0" i="0" u="none" strike="noStrike" cap="none" normalizeH="0" baseline="0" dirty="0">
-                <a:ln>
-                  <a:noFill/>
-                </a:ln>
-                <a:solidFill>
-                  <a:schemeClr val="tx1"/>
-                </a:solidFill>
-                <a:effectLst/>
-                <a:latin typeface="Arial" panose="020B0604020202020204" pitchFamily="34" charset="0"/>
-              </a:rPr>
-              <a:t>, </a:t>
-            </a:r>
-            <a:r>
-              <a:rPr kumimoji="0" lang="en-US" altLang="en-US" sz="2800" b="0" i="0" u="none" strike="noStrike" cap="none" normalizeH="0" baseline="0" dirty="0" err="1">
-                <a:ln>
-                  <a:noFill/>
-                </a:ln>
-                <a:solidFill>
-                  <a:schemeClr val="tx1"/>
-                </a:solidFill>
-                <a:effectLst/>
-                <a:latin typeface="Arial" panose="020B0604020202020204" pitchFamily="34" charset="0"/>
-              </a:rPr>
-              <a:t>độ</a:t>
-            </a:r>
-            <a:r>
-              <a:rPr kumimoji="0" lang="en-US" altLang="en-US" sz="2800" b="0" i="0" u="none" strike="noStrike" cap="none" normalizeH="0" baseline="0" dirty="0">
-                <a:ln>
-                  <a:noFill/>
-                </a:ln>
-                <a:solidFill>
-                  <a:schemeClr val="tx1"/>
-                </a:solidFill>
-                <a:effectLst/>
-                <a:latin typeface="Arial" panose="020B0604020202020204" pitchFamily="34" charset="0"/>
-              </a:rPr>
-              <a:t> </a:t>
-            </a:r>
-            <a:r>
-              <a:rPr kumimoji="0" lang="en-US" altLang="en-US" sz="2800" b="0" i="0" u="none" strike="noStrike" cap="none" normalizeH="0" baseline="0" dirty="0" err="1">
-                <a:ln>
-                  <a:noFill/>
-                </a:ln>
-                <a:solidFill>
-                  <a:schemeClr val="tx1"/>
-                </a:solidFill>
-                <a:effectLst/>
-                <a:latin typeface="Arial" panose="020B0604020202020204" pitchFamily="34" charset="0"/>
-              </a:rPr>
-              <a:t>ẩm</a:t>
-            </a:r>
-            <a:r>
-              <a:rPr kumimoji="0" lang="en-US" altLang="en-US" sz="2800" b="0" i="0" u="none" strike="noStrike" cap="none" normalizeH="0" baseline="0" dirty="0">
-                <a:ln>
-                  <a:noFill/>
-                </a:ln>
-                <a:solidFill>
-                  <a:schemeClr val="tx1"/>
-                </a:solidFill>
-                <a:effectLst/>
-                <a:latin typeface="Arial" panose="020B0604020202020204" pitchFamily="34" charset="0"/>
-              </a:rPr>
-              <a:t>, </a:t>
-            </a:r>
-            <a:r>
-              <a:rPr kumimoji="0" lang="en-US" altLang="en-US" sz="2800" b="0" i="0" u="none" strike="noStrike" cap="none" normalizeH="0" baseline="0" dirty="0" err="1">
-                <a:ln>
-                  <a:noFill/>
-                </a:ln>
-                <a:solidFill>
-                  <a:schemeClr val="tx1"/>
-                </a:solidFill>
-                <a:effectLst/>
-                <a:latin typeface="Arial" panose="020B0604020202020204" pitchFamily="34" charset="0"/>
-              </a:rPr>
-              <a:t>độ</a:t>
-            </a:r>
-            <a:r>
-              <a:rPr kumimoji="0" lang="en-US" altLang="en-US" sz="2800" b="0" i="0" u="none" strike="noStrike" cap="none" normalizeH="0" baseline="0" dirty="0">
-                <a:ln>
-                  <a:noFill/>
-                </a:ln>
-                <a:solidFill>
-                  <a:schemeClr val="tx1"/>
-                </a:solidFill>
-                <a:effectLst/>
-                <a:latin typeface="Arial" panose="020B0604020202020204" pitchFamily="34" charset="0"/>
-              </a:rPr>
-              <a:t> </a:t>
-            </a:r>
-            <a:r>
-              <a:rPr kumimoji="0" lang="en-US" altLang="en-US" sz="2800" b="0" i="0" u="none" strike="noStrike" cap="none" normalizeH="0" baseline="0" dirty="0" err="1">
-                <a:ln>
-                  <a:noFill/>
-                </a:ln>
-                <a:solidFill>
-                  <a:schemeClr val="tx1"/>
-                </a:solidFill>
-                <a:effectLst/>
-                <a:latin typeface="Arial" panose="020B0604020202020204" pitchFamily="34" charset="0"/>
-              </a:rPr>
-              <a:t>ẩm</a:t>
-            </a:r>
-            <a:r>
-              <a:rPr kumimoji="0" lang="en-US" altLang="en-US" sz="2800" b="0" i="0" u="none" strike="noStrike" cap="none" normalizeH="0" baseline="0" dirty="0">
-                <a:ln>
-                  <a:noFill/>
-                </a:ln>
-                <a:solidFill>
-                  <a:schemeClr val="tx1"/>
-                </a:solidFill>
-                <a:effectLst/>
-                <a:latin typeface="Arial" panose="020B0604020202020204" pitchFamily="34" charset="0"/>
-              </a:rPr>
-              <a:t> </a:t>
-            </a:r>
-            <a:r>
-              <a:rPr kumimoji="0" lang="en-US" altLang="en-US" sz="2800" b="0" i="0" u="none" strike="noStrike" cap="none" normalizeH="0" baseline="0" dirty="0" err="1">
-                <a:ln>
-                  <a:noFill/>
-                </a:ln>
-                <a:solidFill>
-                  <a:schemeClr val="tx1"/>
-                </a:solidFill>
-                <a:effectLst/>
-                <a:latin typeface="Arial" panose="020B0604020202020204" pitchFamily="34" charset="0"/>
-              </a:rPr>
-              <a:t>đất</a:t>
-            </a:r>
-            <a:r>
-              <a:rPr kumimoji="0" lang="en-US" altLang="en-US" sz="2800" b="0" i="0" u="none" strike="noStrike" cap="none" normalizeH="0" baseline="0" dirty="0">
-                <a:ln>
-                  <a:noFill/>
-                </a:ln>
-                <a:solidFill>
-                  <a:schemeClr val="tx1"/>
-                </a:solidFill>
-                <a:effectLst/>
-                <a:latin typeface="Arial" panose="020B0604020202020204" pitchFamily="34" charset="0"/>
-              </a:rPr>
-              <a:t>…</a:t>
-            </a:r>
+            <a:endParaRPr kumimoji="0" lang="en-US" altLang="en-US" sz="2800" b="0" i="0" u="none" strike="noStrike" cap="none" normalizeH="0" baseline="0" dirty="0">
+              <a:ln>
+                <a:noFill/>
+              </a:ln>
+              <a:solidFill>
+                <a:schemeClr val="tx1"/>
+              </a:solidFill>
+              <a:effectLst/>
+              <a:latin typeface="Arial" panose="020B0604020202020204" pitchFamily="34" charset="0"/>
+            </a:endParaRPr>
           </a:p>
           <a:p>
             <a:pPr marL="457200" marR="0" lvl="0" indent="-457200" algn="l" defTabSz="914400" rtl="0" eaLnBrk="0" fontAlgn="base" latinLnBrk="0" hangingPunct="0">
@@ -19042,7 +19260,7 @@
         </p:nvSpPr>
         <p:spPr>
           <a:xfrm>
-            <a:off x="1065214" y="60918"/>
+            <a:off x="762148" y="1357481"/>
             <a:ext cx="5249862" cy="914595"/>
           </a:xfrm>
         </p:spPr>
@@ -19132,8 +19350,8 @@
         </p:nvSpPr>
         <p:spPr bwMode="auto">
           <a:xfrm>
-            <a:off x="466004" y="2130294"/>
-            <a:ext cx="4563196" cy="3262432"/>
+            <a:off x="626260" y="2779371"/>
+            <a:ext cx="5688813" cy="2831544"/>
           </a:xfrm>
           <a:prstGeom prst="rect">
             <a:avLst/>
@@ -19210,7 +19428,7 @@
                 <a:ea typeface="Tahoma" panose="020B0604030504040204" pitchFamily="34" charset="0"/>
                 <a:cs typeface="Tahoma" panose="020B0604030504040204" pitchFamily="34" charset="0"/>
               </a:rPr>
-              <a:t> </a:t>
+              <a:t>  </a:t>
             </a:r>
             <a:r>
               <a:rPr kumimoji="0" lang="en-US" altLang="en-US" sz="2800" b="0" i="0" u="none" strike="noStrike" cap="none" normalizeH="0" baseline="0" dirty="0" err="1">
@@ -19393,7 +19611,7 @@
                 <a:ea typeface="Tahoma" panose="020B0604030504040204" pitchFamily="34" charset="0"/>
                 <a:cs typeface="Tahoma" panose="020B0604030504040204" pitchFamily="34" charset="0"/>
               </a:rPr>
-              <a:t> Kafka </a:t>
+              <a:t>  Kafka </a:t>
             </a:r>
             <a:r>
               <a:rPr kumimoji="0" lang="en-US" altLang="en-US" sz="2800" b="0" i="0" u="none" strike="noStrike" cap="none" normalizeH="0" baseline="0" dirty="0" err="1">
@@ -19693,7 +19911,7 @@
                 <a:ea typeface="Tahoma" panose="020B0604030504040204" pitchFamily="34" charset="0"/>
                 <a:cs typeface="Tahoma" panose="020B0604030504040204" pitchFamily="34" charset="0"/>
               </a:rPr>
-              <a:t> </a:t>
+              <a:t>  </a:t>
             </a:r>
             <a:r>
               <a:rPr kumimoji="0" lang="en-US" altLang="en-US" sz="2800" b="0" i="0" u="none" strike="noStrike" cap="none" normalizeH="0" baseline="0" dirty="0" err="1">
@@ -19967,10 +20185,10 @@
       </p:sp>
       <p:pic>
         <p:nvPicPr>
-          <p:cNvPr id="4" name="Picture 3">
+          <p:cNvPr id="10" name="Picture 9">
             <a:extLst>
               <a:ext uri="{FF2B5EF4-FFF2-40B4-BE49-F238E27FC236}">
-                <a16:creationId xmlns:a16="http://schemas.microsoft.com/office/drawing/2014/main" id="{7B2B16F0-6A84-1DDD-69C2-85C44200F44E}"/>
+                <a16:creationId xmlns:a16="http://schemas.microsoft.com/office/drawing/2014/main" id="{B929E5D5-08DA-8BBE-1490-3AA151156AFA}"/>
               </a:ext>
             </a:extLst>
           </p:cNvPr>
@@ -19987,8 +20205,8 @@
         </p:blipFill>
         <p:spPr>
           <a:xfrm>
-            <a:off x="6315074" y="0"/>
-            <a:ext cx="5876925" cy="6859211"/>
+            <a:off x="-1" y="-1"/>
+            <a:ext cx="6256009" cy="1299950"/>
           </a:xfrm>
           <a:prstGeom prst="rect">
             <a:avLst/>
@@ -19997,10 +20215,10 @@
       </p:pic>
       <p:pic>
         <p:nvPicPr>
-          <p:cNvPr id="10" name="Picture 9">
+          <p:cNvPr id="4" name="Picture 3">
             <a:extLst>
               <a:ext uri="{FF2B5EF4-FFF2-40B4-BE49-F238E27FC236}">
-                <a16:creationId xmlns:a16="http://schemas.microsoft.com/office/drawing/2014/main" id="{B929E5D5-08DA-8BBE-1490-3AA151156AFA}"/>
+                <a16:creationId xmlns:a16="http://schemas.microsoft.com/office/drawing/2014/main" id="{C67565FD-4730-600B-2676-2AEB5189AF40}"/>
               </a:ext>
             </a:extLst>
           </p:cNvPr>
@@ -20017,8 +20235,8 @@
         </p:blipFill>
         <p:spPr>
           <a:xfrm>
-            <a:off x="891080" y="961310"/>
-            <a:ext cx="5134692" cy="1066949"/>
+            <a:off x="6256009" y="0"/>
+            <a:ext cx="5929729" cy="6858000"/>
           </a:xfrm>
           <a:prstGeom prst="rect">
             <a:avLst/>
@@ -20327,250 +20545,425 @@
           </a:p>
         </p:txBody>
       </p:sp>
-      <p:sp>
-        <p:nvSpPr>
-          <p:cNvPr id="4" name="TextBox 5">
-            <a:extLst>
-              <a:ext uri="{FF2B5EF4-FFF2-40B4-BE49-F238E27FC236}">
-                <a16:creationId xmlns:a16="http://schemas.microsoft.com/office/drawing/2014/main" id="{2170E973-48FB-DB25-768D-541FDE87A075}"/>
-              </a:ext>
-            </a:extLst>
-          </p:cNvPr>
-          <p:cNvSpPr txBox="1"/>
-          <p:nvPr/>
-        </p:nvSpPr>
-        <p:spPr>
-          <a:xfrm>
-            <a:off x="897905" y="2197893"/>
-            <a:ext cx="9018315" cy="2462213"/>
-          </a:xfrm>
-          <a:prstGeom prst="rect">
-            <a:avLst/>
-          </a:prstGeom>
-        </p:spPr>
-        <p:txBody>
-          <a:bodyPr lIns="0" tIns="0" rIns="0" bIns="0" rtlCol="0" anchor="t">
-            <a:spAutoFit/>
-          </a:bodyPr>
-          <a:lstStyle/>
-          <a:p>
-            <a:pPr marL="845820" lvl="1" indent="-457200" algn="just">
-              <a:spcBef>
-                <a:spcPts val="600"/>
-              </a:spcBef>
-              <a:buFont typeface="Wingdings" panose="05000000000000000000" pitchFamily="2" charset="2"/>
-              <a:buChar char="q"/>
-            </a:pPr>
-            <a:r>
-              <a:rPr lang="en-US" sz="2800" dirty="0">
-                <a:latin typeface="Tahoma" panose="020B0604030504040204" pitchFamily="34" charset="0"/>
-                <a:ea typeface="Tahoma" panose="020B0604030504040204" pitchFamily="34" charset="0"/>
-                <a:cs typeface="Tahoma" panose="020B0604030504040204" pitchFamily="34" charset="0"/>
-                <a:sym typeface="Georgia Pro Light"/>
-              </a:rPr>
-              <a:t>Phương </a:t>
-            </a:r>
-            <a:r>
-              <a:rPr lang="en-US" sz="2800" dirty="0" err="1">
-                <a:latin typeface="Tahoma" panose="020B0604030504040204" pitchFamily="34" charset="0"/>
-                <a:ea typeface="Tahoma" panose="020B0604030504040204" pitchFamily="34" charset="0"/>
-                <a:cs typeface="Tahoma" panose="020B0604030504040204" pitchFamily="34" charset="0"/>
-                <a:sym typeface="Georgia Pro Light"/>
-              </a:rPr>
-              <a:t>pháp</a:t>
-            </a:r>
-            <a:r>
-              <a:rPr lang="en-US" sz="2800" dirty="0">
-                <a:latin typeface="Tahoma" panose="020B0604030504040204" pitchFamily="34" charset="0"/>
-                <a:ea typeface="Tahoma" panose="020B0604030504040204" pitchFamily="34" charset="0"/>
-                <a:cs typeface="Tahoma" panose="020B0604030504040204" pitchFamily="34" charset="0"/>
-                <a:sym typeface="Georgia Pro Light"/>
-              </a:rPr>
-              <a:t> Unsupervised</a:t>
-            </a:r>
-          </a:p>
-          <a:p>
-            <a:pPr marL="845820" lvl="1" indent="-457200" algn="just">
-              <a:spcBef>
-                <a:spcPts val="600"/>
-              </a:spcBef>
-              <a:buFont typeface="Wingdings" panose="05000000000000000000" pitchFamily="2" charset="2"/>
-              <a:buChar char="q"/>
-            </a:pPr>
-            <a:r>
-              <a:rPr lang="en-US" sz="2800" dirty="0" err="1">
-                <a:latin typeface="Tahoma" panose="020B0604030504040204" pitchFamily="34" charset="0"/>
-                <a:ea typeface="Tahoma" panose="020B0604030504040204" pitchFamily="34" charset="0"/>
-                <a:cs typeface="Tahoma" panose="020B0604030504040204" pitchFamily="34" charset="0"/>
-                <a:sym typeface="Georgia Pro Light"/>
-              </a:rPr>
-              <a:t>Sử</a:t>
-            </a:r>
-            <a:r>
-              <a:rPr lang="en-US" sz="2800" dirty="0">
-                <a:latin typeface="Tahoma" panose="020B0604030504040204" pitchFamily="34" charset="0"/>
-                <a:ea typeface="Tahoma" panose="020B0604030504040204" pitchFamily="34" charset="0"/>
-                <a:cs typeface="Tahoma" panose="020B0604030504040204" pitchFamily="34" charset="0"/>
-                <a:sym typeface="Georgia Pro Light"/>
-              </a:rPr>
-              <a:t> </a:t>
-            </a:r>
-            <a:r>
-              <a:rPr lang="en-US" sz="2800" dirty="0" err="1">
-                <a:latin typeface="Tahoma" panose="020B0604030504040204" pitchFamily="34" charset="0"/>
-                <a:ea typeface="Tahoma" panose="020B0604030504040204" pitchFamily="34" charset="0"/>
-                <a:cs typeface="Tahoma" panose="020B0604030504040204" pitchFamily="34" charset="0"/>
-                <a:sym typeface="Georgia Pro Light"/>
-              </a:rPr>
-              <a:t>dụng</a:t>
-            </a:r>
-            <a:r>
-              <a:rPr lang="en-US" sz="2800" dirty="0">
-                <a:latin typeface="Tahoma" panose="020B0604030504040204" pitchFamily="34" charset="0"/>
-                <a:ea typeface="Tahoma" panose="020B0604030504040204" pitchFamily="34" charset="0"/>
-                <a:cs typeface="Tahoma" panose="020B0604030504040204" pitchFamily="34" charset="0"/>
-                <a:sym typeface="Georgia Pro Light"/>
-              </a:rPr>
-              <a:t> Z-score</a:t>
-            </a:r>
-          </a:p>
-          <a:p>
-            <a:pPr marL="845820" lvl="1" indent="-457200" algn="just">
-              <a:spcBef>
-                <a:spcPts val="600"/>
-              </a:spcBef>
-              <a:buFont typeface="Wingdings" panose="05000000000000000000" pitchFamily="2" charset="2"/>
-              <a:buChar char="q"/>
-            </a:pPr>
-            <a:r>
-              <a:rPr lang="en-US" sz="2800" dirty="0" err="1">
-                <a:latin typeface="Tahoma" panose="020B0604030504040204" pitchFamily="34" charset="0"/>
-                <a:ea typeface="Tahoma" panose="020B0604030504040204" pitchFamily="34" charset="0"/>
-                <a:cs typeface="Tahoma" panose="020B0604030504040204" pitchFamily="34" charset="0"/>
-                <a:sym typeface="Georgia Pro Light"/>
-              </a:rPr>
-              <a:t>Tính</a:t>
-            </a:r>
-            <a:r>
-              <a:rPr lang="en-US" sz="2800" dirty="0">
-                <a:latin typeface="Tahoma" panose="020B0604030504040204" pitchFamily="34" charset="0"/>
-                <a:ea typeface="Tahoma" panose="020B0604030504040204" pitchFamily="34" charset="0"/>
-                <a:cs typeface="Tahoma" panose="020B0604030504040204" pitchFamily="34" charset="0"/>
-                <a:sym typeface="Georgia Pro Light"/>
-              </a:rPr>
-              <a:t> mean, std </a:t>
-            </a:r>
-            <a:r>
-              <a:rPr lang="en-US" sz="2800" dirty="0" err="1">
-                <a:latin typeface="Tahoma" panose="020B0604030504040204" pitchFamily="34" charset="0"/>
-                <a:ea typeface="Tahoma" panose="020B0604030504040204" pitchFamily="34" charset="0"/>
-                <a:cs typeface="Tahoma" panose="020B0604030504040204" pitchFamily="34" charset="0"/>
-                <a:sym typeface="Georgia Pro Light"/>
-              </a:rPr>
-              <a:t>theo</a:t>
-            </a:r>
-            <a:r>
-              <a:rPr lang="en-US" sz="2800" dirty="0">
-                <a:latin typeface="Tahoma" panose="020B0604030504040204" pitchFamily="34" charset="0"/>
-                <a:ea typeface="Tahoma" panose="020B0604030504040204" pitchFamily="34" charset="0"/>
-                <a:cs typeface="Tahoma" panose="020B0604030504040204" pitchFamily="34" charset="0"/>
-                <a:sym typeface="Georgia Pro Light"/>
-              </a:rPr>
-              <a:t> sliding window</a:t>
-            </a:r>
-          </a:p>
-          <a:p>
-            <a:pPr marL="845820" lvl="1" indent="-457200" algn="just">
-              <a:spcBef>
-                <a:spcPts val="600"/>
-              </a:spcBef>
-              <a:buFont typeface="Wingdings" panose="05000000000000000000" pitchFamily="2" charset="2"/>
-              <a:buChar char="q"/>
-            </a:pPr>
-            <a:r>
-              <a:rPr lang="en-US" sz="2800" dirty="0">
-                <a:latin typeface="Tahoma" panose="020B0604030504040204" pitchFamily="34" charset="0"/>
-                <a:ea typeface="Tahoma" panose="020B0604030504040204" pitchFamily="34" charset="0"/>
-                <a:cs typeface="Tahoma" panose="020B0604030504040204" pitchFamily="34" charset="0"/>
-                <a:sym typeface="Georgia Pro Light"/>
-              </a:rPr>
-              <a:t>|Z-score| ≥ 3 → Anomaly</a:t>
-            </a:r>
-          </a:p>
-          <a:p>
-            <a:pPr marL="845820" lvl="1" indent="-457200" algn="just">
-              <a:spcBef>
-                <a:spcPts val="600"/>
-              </a:spcBef>
-              <a:buFont typeface="Wingdings" panose="05000000000000000000" pitchFamily="2" charset="2"/>
-              <a:buChar char="q"/>
-            </a:pPr>
-            <a:r>
-              <a:rPr lang="en-US" sz="2800" dirty="0">
-                <a:latin typeface="Tahoma" panose="020B0604030504040204" pitchFamily="34" charset="0"/>
-                <a:ea typeface="Tahoma" panose="020B0604030504040204" pitchFamily="34" charset="0"/>
-                <a:cs typeface="Tahoma" panose="020B0604030504040204" pitchFamily="34" charset="0"/>
-                <a:sym typeface="Georgia Pro Light"/>
-              </a:rPr>
-              <a:t>Lưu &amp; </a:t>
-            </a:r>
-            <a:r>
-              <a:rPr lang="en-US" sz="2800" dirty="0" err="1">
-                <a:latin typeface="Tahoma" panose="020B0604030504040204" pitchFamily="34" charset="0"/>
-                <a:ea typeface="Tahoma" panose="020B0604030504040204" pitchFamily="34" charset="0"/>
-                <a:cs typeface="Tahoma" panose="020B0604030504040204" pitchFamily="34" charset="0"/>
-                <a:sym typeface="Georgia Pro Light"/>
-              </a:rPr>
-              <a:t>giám</a:t>
-            </a:r>
-            <a:r>
-              <a:rPr lang="en-US" sz="2800" dirty="0">
-                <a:latin typeface="Tahoma" panose="020B0604030504040204" pitchFamily="34" charset="0"/>
-                <a:ea typeface="Tahoma" panose="020B0604030504040204" pitchFamily="34" charset="0"/>
-                <a:cs typeface="Tahoma" panose="020B0604030504040204" pitchFamily="34" charset="0"/>
-                <a:sym typeface="Georgia Pro Light"/>
-              </a:rPr>
-              <a:t> </a:t>
-            </a:r>
-            <a:r>
-              <a:rPr lang="en-US" sz="2800" dirty="0" err="1">
-                <a:latin typeface="Tahoma" panose="020B0604030504040204" pitchFamily="34" charset="0"/>
-                <a:ea typeface="Tahoma" panose="020B0604030504040204" pitchFamily="34" charset="0"/>
-                <a:cs typeface="Tahoma" panose="020B0604030504040204" pitchFamily="34" charset="0"/>
-                <a:sym typeface="Georgia Pro Light"/>
-              </a:rPr>
-              <a:t>sát</a:t>
-            </a:r>
-            <a:r>
-              <a:rPr lang="en-US" sz="2800" dirty="0">
-                <a:latin typeface="Tahoma" panose="020B0604030504040204" pitchFamily="34" charset="0"/>
-                <a:ea typeface="Tahoma" panose="020B0604030504040204" pitchFamily="34" charset="0"/>
-                <a:cs typeface="Tahoma" panose="020B0604030504040204" pitchFamily="34" charset="0"/>
-                <a:sym typeface="Georgia Pro Light"/>
-              </a:rPr>
-              <a:t> qua </a:t>
-            </a:r>
-            <a:r>
-              <a:rPr lang="en-US" sz="2800" dirty="0" err="1">
-                <a:latin typeface="Tahoma" panose="020B0604030504040204" pitchFamily="34" charset="0"/>
-                <a:ea typeface="Tahoma" panose="020B0604030504040204" pitchFamily="34" charset="0"/>
-                <a:cs typeface="Tahoma" panose="020B0604030504040204" pitchFamily="34" charset="0"/>
-                <a:sym typeface="Georgia Pro Light"/>
-              </a:rPr>
-              <a:t>InfluxDB</a:t>
-            </a:r>
-            <a:r>
-              <a:rPr lang="en-US" sz="2800" dirty="0">
-                <a:latin typeface="Tahoma" panose="020B0604030504040204" pitchFamily="34" charset="0"/>
-                <a:ea typeface="Tahoma" panose="020B0604030504040204" pitchFamily="34" charset="0"/>
-                <a:cs typeface="Tahoma" panose="020B0604030504040204" pitchFamily="34" charset="0"/>
-                <a:sym typeface="Georgia Pro Light"/>
-              </a:rPr>
-              <a:t>, PostgreSQL</a:t>
-            </a:r>
-          </a:p>
-        </p:txBody>
-      </p:sp>
+      <mc:AlternateContent xmlns:mc="http://schemas.openxmlformats.org/markup-compatibility/2006">
+        <mc:Choice xmlns:a14="http://schemas.microsoft.com/office/drawing/2010/main" Requires="a14">
+          <p:sp>
+            <p:nvSpPr>
+              <p:cNvPr id="4" name="TextBox 5">
+                <a:extLst>
+                  <a:ext uri="{FF2B5EF4-FFF2-40B4-BE49-F238E27FC236}">
+                    <a16:creationId xmlns:a16="http://schemas.microsoft.com/office/drawing/2014/main" id="{2170E973-48FB-DB25-768D-541FDE87A075}"/>
+                  </a:ext>
+                </a:extLst>
+              </p:cNvPr>
+              <p:cNvSpPr txBox="1"/>
+              <p:nvPr/>
+            </p:nvSpPr>
+            <p:spPr>
+              <a:xfrm>
+                <a:off x="897905" y="2197893"/>
+                <a:ext cx="9018315" cy="3631059"/>
+              </a:xfrm>
+              <a:prstGeom prst="rect">
+                <a:avLst/>
+              </a:prstGeom>
+            </p:spPr>
+            <p:txBody>
+              <a:bodyPr lIns="0" tIns="0" rIns="0" bIns="0" rtlCol="0" anchor="t">
+                <a:spAutoFit/>
+              </a:bodyPr>
+              <a:lstStyle/>
+              <a:p>
+                <a:pPr marL="845820" lvl="1" indent="-457200" algn="just">
+                  <a:spcBef>
+                    <a:spcPts val="600"/>
+                  </a:spcBef>
+                  <a:buFont typeface="Wingdings" panose="05000000000000000000" pitchFamily="2" charset="2"/>
+                  <a:buChar char="q"/>
+                </a:pPr>
+                <a:r>
+                  <a:rPr lang="en-US" sz="2800" dirty="0">
+                    <a:latin typeface="Tahoma" panose="020B0604030504040204" pitchFamily="34" charset="0"/>
+                    <a:ea typeface="Tahoma" panose="020B0604030504040204" pitchFamily="34" charset="0"/>
+                    <a:cs typeface="Tahoma" panose="020B0604030504040204" pitchFamily="34" charset="0"/>
+                    <a:sym typeface="Georgia Pro Light"/>
+                  </a:rPr>
+                  <a:t>Phương </a:t>
+                </a:r>
+                <a:r>
+                  <a:rPr lang="en-US" sz="2800" dirty="0" err="1">
+                    <a:latin typeface="Tahoma" panose="020B0604030504040204" pitchFamily="34" charset="0"/>
+                    <a:ea typeface="Tahoma" panose="020B0604030504040204" pitchFamily="34" charset="0"/>
+                    <a:cs typeface="Tahoma" panose="020B0604030504040204" pitchFamily="34" charset="0"/>
+                    <a:sym typeface="Georgia Pro Light"/>
+                  </a:rPr>
+                  <a:t>pháp</a:t>
+                </a:r>
+                <a:r>
+                  <a:rPr lang="en-US" sz="2800" dirty="0">
+                    <a:latin typeface="Tahoma" panose="020B0604030504040204" pitchFamily="34" charset="0"/>
+                    <a:ea typeface="Tahoma" panose="020B0604030504040204" pitchFamily="34" charset="0"/>
+                    <a:cs typeface="Tahoma" panose="020B0604030504040204" pitchFamily="34" charset="0"/>
+                    <a:sym typeface="Georgia Pro Light"/>
+                  </a:rPr>
+                  <a:t> Unsupervised</a:t>
+                </a:r>
+              </a:p>
+              <a:p>
+                <a:pPr marL="845820" lvl="1" indent="-457200" algn="just">
+                  <a:spcBef>
+                    <a:spcPts val="600"/>
+                  </a:spcBef>
+                  <a:buFont typeface="Wingdings" panose="05000000000000000000" pitchFamily="2" charset="2"/>
+                  <a:buChar char="q"/>
+                </a:pPr>
+                <a:r>
+                  <a:rPr lang="en-US" sz="2800" dirty="0" err="1">
+                    <a:latin typeface="Tahoma" panose="020B0604030504040204" pitchFamily="34" charset="0"/>
+                    <a:ea typeface="Tahoma" panose="020B0604030504040204" pitchFamily="34" charset="0"/>
+                    <a:cs typeface="Tahoma" panose="020B0604030504040204" pitchFamily="34" charset="0"/>
+                    <a:sym typeface="Georgia Pro Light"/>
+                  </a:rPr>
+                  <a:t>Sử</a:t>
+                </a:r>
+                <a:r>
+                  <a:rPr lang="en-US" sz="2800" dirty="0">
+                    <a:latin typeface="Tahoma" panose="020B0604030504040204" pitchFamily="34" charset="0"/>
+                    <a:ea typeface="Tahoma" panose="020B0604030504040204" pitchFamily="34" charset="0"/>
+                    <a:cs typeface="Tahoma" panose="020B0604030504040204" pitchFamily="34" charset="0"/>
+                    <a:sym typeface="Georgia Pro Light"/>
+                  </a:rPr>
+                  <a:t> </a:t>
+                </a:r>
+                <a:r>
+                  <a:rPr lang="en-US" sz="2800" dirty="0" err="1">
+                    <a:latin typeface="Tahoma" panose="020B0604030504040204" pitchFamily="34" charset="0"/>
+                    <a:ea typeface="Tahoma" panose="020B0604030504040204" pitchFamily="34" charset="0"/>
+                    <a:cs typeface="Tahoma" panose="020B0604030504040204" pitchFamily="34" charset="0"/>
+                    <a:sym typeface="Georgia Pro Light"/>
+                  </a:rPr>
+                  <a:t>dụng</a:t>
+                </a:r>
+                <a:r>
+                  <a:rPr lang="en-US" sz="2800" dirty="0">
+                    <a:latin typeface="Tahoma" panose="020B0604030504040204" pitchFamily="34" charset="0"/>
+                    <a:ea typeface="Tahoma" panose="020B0604030504040204" pitchFamily="34" charset="0"/>
+                    <a:cs typeface="Tahoma" panose="020B0604030504040204" pitchFamily="34" charset="0"/>
+                    <a:sym typeface="Georgia Pro Light"/>
+                  </a:rPr>
+                  <a:t> Z-score</a:t>
+                </a:r>
+              </a:p>
+              <a:p>
+                <a:pPr marL="845820" lvl="1" indent="-457200" algn="just">
+                  <a:spcBef>
+                    <a:spcPts val="600"/>
+                  </a:spcBef>
+                  <a:buFont typeface="Wingdings" panose="05000000000000000000" pitchFamily="2" charset="2"/>
+                  <a:buChar char="q"/>
+                </a:pPr>
+                <a:r>
+                  <a:rPr lang="en-US" sz="2800" dirty="0" err="1">
+                    <a:latin typeface="Tahoma" panose="020B0604030504040204" pitchFamily="34" charset="0"/>
+                    <a:ea typeface="Tahoma" panose="020B0604030504040204" pitchFamily="34" charset="0"/>
+                    <a:cs typeface="Tahoma" panose="020B0604030504040204" pitchFamily="34" charset="0"/>
+                    <a:sym typeface="Georgia Pro Light"/>
+                  </a:rPr>
+                  <a:t>Tính</a:t>
+                </a:r>
+                <a:r>
+                  <a:rPr lang="en-US" sz="2800" dirty="0">
+                    <a:latin typeface="Tahoma" panose="020B0604030504040204" pitchFamily="34" charset="0"/>
+                    <a:ea typeface="Tahoma" panose="020B0604030504040204" pitchFamily="34" charset="0"/>
+                    <a:cs typeface="Tahoma" panose="020B0604030504040204" pitchFamily="34" charset="0"/>
+                    <a:sym typeface="Georgia Pro Light"/>
+                  </a:rPr>
+                  <a:t> Z-score, mean, s</a:t>
+                </a:r>
+                <a:r>
+                  <a:rPr lang="en-US" sz="2800" dirty="0">
+                    <a:latin typeface="Tahoma" panose="020B0604030504040204" pitchFamily="34" charset="0"/>
+                    <a:ea typeface="Tahoma" panose="020B0604030504040204" pitchFamily="34" charset="0"/>
+                    <a:cs typeface="Tahoma" panose="020B0604030504040204" pitchFamily="34" charset="0"/>
+                  </a:rPr>
+                  <a:t>tandard deviation</a:t>
+                </a:r>
+                <a:r>
+                  <a:rPr lang="en-US" sz="2800" dirty="0">
+                    <a:latin typeface="Tahoma" panose="020B0604030504040204" pitchFamily="34" charset="0"/>
+                    <a:ea typeface="Tahoma" panose="020B0604030504040204" pitchFamily="34" charset="0"/>
+                    <a:cs typeface="Tahoma" panose="020B0604030504040204" pitchFamily="34" charset="0"/>
+                    <a:sym typeface="Georgia Pro Light"/>
+                  </a:rPr>
+                  <a:t> </a:t>
+                </a:r>
+                <a:r>
+                  <a:rPr lang="en-US" sz="2800" dirty="0" err="1">
+                    <a:latin typeface="Tahoma" panose="020B0604030504040204" pitchFamily="34" charset="0"/>
+                    <a:ea typeface="Tahoma" panose="020B0604030504040204" pitchFamily="34" charset="0"/>
+                    <a:cs typeface="Tahoma" panose="020B0604030504040204" pitchFamily="34" charset="0"/>
+                    <a:sym typeface="Georgia Pro Light"/>
+                  </a:rPr>
+                  <a:t>theo</a:t>
+                </a:r>
+                <a:r>
+                  <a:rPr lang="en-US" sz="2800" dirty="0">
+                    <a:latin typeface="Tahoma" panose="020B0604030504040204" pitchFamily="34" charset="0"/>
+                    <a:ea typeface="Tahoma" panose="020B0604030504040204" pitchFamily="34" charset="0"/>
+                    <a:cs typeface="Tahoma" panose="020B0604030504040204" pitchFamily="34" charset="0"/>
+                    <a:sym typeface="Georgia Pro Light"/>
+                  </a:rPr>
+                  <a:t> sliding window (1 </a:t>
+                </a:r>
+                <a:r>
+                  <a:rPr lang="en-US" sz="2800" dirty="0" err="1">
+                    <a:latin typeface="Tahoma" panose="020B0604030504040204" pitchFamily="34" charset="0"/>
+                    <a:ea typeface="Tahoma" panose="020B0604030504040204" pitchFamily="34" charset="0"/>
+                    <a:cs typeface="Tahoma" panose="020B0604030504040204" pitchFamily="34" charset="0"/>
+                    <a:sym typeface="Georgia Pro Light"/>
+                  </a:rPr>
+                  <a:t>phút</a:t>
+                </a:r>
+                <a:r>
+                  <a:rPr lang="en-US" sz="2800" dirty="0">
+                    <a:latin typeface="Tahoma" panose="020B0604030504040204" pitchFamily="34" charset="0"/>
+                    <a:ea typeface="Tahoma" panose="020B0604030504040204" pitchFamily="34" charset="0"/>
+                    <a:cs typeface="Tahoma" panose="020B0604030504040204" pitchFamily="34" charset="0"/>
+                    <a:sym typeface="Georgia Pro Light"/>
+                  </a:rPr>
+                  <a:t>)</a:t>
+                </a:r>
+              </a:p>
+              <a:p>
+                <a:pPr marL="388620" lvl="1" algn="just">
+                  <a:spcBef>
+                    <a:spcPts val="600"/>
+                  </a:spcBef>
+                </a:pPr>
+                <a14:m>
+                  <m:oMathPara xmlns:m="http://schemas.openxmlformats.org/officeDocument/2006/math">
+                    <m:oMathParaPr>
+                      <m:jc m:val="centerGroup"/>
+                    </m:oMathParaPr>
+                    <m:oMath xmlns:m="http://schemas.openxmlformats.org/officeDocument/2006/math">
+                      <m:r>
+                        <a:rPr lang="en-US" sz="2800" b="0" i="1" smtClean="0">
+                          <a:latin typeface="Cambria Math" panose="02040503050406030204" pitchFamily="18" charset="0"/>
+                          <a:ea typeface="Tahoma" panose="020B0604030504040204" pitchFamily="34" charset="0"/>
+                          <a:cs typeface="Tahoma" panose="020B0604030504040204" pitchFamily="34" charset="0"/>
+                          <a:sym typeface="Georgia Pro Light"/>
+                        </a:rPr>
+                        <m:t>𝑍𝑠𝑐𝑜𝑟𝑒</m:t>
+                      </m:r>
+                      <m:r>
+                        <a:rPr lang="en-US" sz="2800" b="0" i="1" smtClean="0">
+                          <a:latin typeface="Cambria Math" panose="02040503050406030204" pitchFamily="18" charset="0"/>
+                          <a:ea typeface="Tahoma" panose="020B0604030504040204" pitchFamily="34" charset="0"/>
+                          <a:cs typeface="Tahoma" panose="020B0604030504040204" pitchFamily="34" charset="0"/>
+                          <a:sym typeface="Georgia Pro Light"/>
+                        </a:rPr>
+                        <m:t>= </m:t>
+                      </m:r>
+                      <m:f>
+                        <m:fPr>
+                          <m:ctrlPr>
+                            <a:rPr lang="en-US" sz="2800" b="0" i="1" smtClean="0">
+                              <a:latin typeface="Cambria Math" panose="02040503050406030204" pitchFamily="18" charset="0"/>
+                              <a:ea typeface="Tahoma" panose="020B0604030504040204" pitchFamily="34" charset="0"/>
+                              <a:cs typeface="Tahoma" panose="020B0604030504040204" pitchFamily="34" charset="0"/>
+                              <a:sym typeface="Georgia Pro Light"/>
+                            </a:rPr>
+                          </m:ctrlPr>
+                        </m:fPr>
+                        <m:num>
+                          <m:r>
+                            <a:rPr lang="en-US" sz="2800" b="0" i="1" smtClean="0">
+                              <a:latin typeface="Cambria Math" panose="02040503050406030204" pitchFamily="18" charset="0"/>
+                              <a:ea typeface="Tahoma" panose="020B0604030504040204" pitchFamily="34" charset="0"/>
+                              <a:cs typeface="Tahoma" panose="020B0604030504040204" pitchFamily="34" charset="0"/>
+                              <a:sym typeface="Georgia Pro Light"/>
+                            </a:rPr>
+                            <m:t>𝑥</m:t>
+                          </m:r>
+                          <m:r>
+                            <a:rPr lang="en-US" sz="2800" b="0" i="1" smtClean="0">
+                              <a:latin typeface="Cambria Math" panose="02040503050406030204" pitchFamily="18" charset="0"/>
+                              <a:ea typeface="Tahoma" panose="020B0604030504040204" pitchFamily="34" charset="0"/>
+                              <a:cs typeface="Tahoma" panose="020B0604030504040204" pitchFamily="34" charset="0"/>
+                              <a:sym typeface="Georgia Pro Light"/>
+                            </a:rPr>
+                            <m:t>−</m:t>
+                          </m:r>
+                          <m:r>
+                            <a:rPr lang="en-US" sz="2800" b="0" i="1" smtClean="0">
+                              <a:latin typeface="Cambria Math" panose="02040503050406030204" pitchFamily="18" charset="0"/>
+                              <a:ea typeface="Cambria Math" panose="02040503050406030204" pitchFamily="18" charset="0"/>
+                              <a:cs typeface="Tahoma" panose="020B0604030504040204" pitchFamily="34" charset="0"/>
+                              <a:sym typeface="Georgia Pro Light"/>
+                            </a:rPr>
+                            <m:t>𝜇</m:t>
+                          </m:r>
+                        </m:num>
+                        <m:den>
+                          <m:r>
+                            <a:rPr lang="en-US" sz="2800" b="0" i="1" smtClean="0">
+                              <a:latin typeface="Cambria Math" panose="02040503050406030204" pitchFamily="18" charset="0"/>
+                              <a:ea typeface="Cambria Math" panose="02040503050406030204" pitchFamily="18" charset="0"/>
+                              <a:cs typeface="Tahoma" panose="020B0604030504040204" pitchFamily="34" charset="0"/>
+                              <a:sym typeface="Georgia Pro Light"/>
+                            </a:rPr>
+                            <m:t>𝜎</m:t>
+                          </m:r>
+                        </m:den>
+                      </m:f>
+                    </m:oMath>
+                  </m:oMathPara>
+                </a14:m>
+                <a:endParaRPr lang="en-US" sz="2800" dirty="0">
+                  <a:latin typeface="Tahoma" panose="020B0604030504040204" pitchFamily="34" charset="0"/>
+                  <a:ea typeface="Tahoma" panose="020B0604030504040204" pitchFamily="34" charset="0"/>
+                  <a:cs typeface="Tahoma" panose="020B0604030504040204" pitchFamily="34" charset="0"/>
+                  <a:sym typeface="Georgia Pro Light"/>
+                </a:endParaRPr>
+              </a:p>
+              <a:p>
+                <a:pPr marL="845820" lvl="1" indent="-457200" algn="just">
+                  <a:spcBef>
+                    <a:spcPts val="600"/>
+                  </a:spcBef>
+                  <a:buFont typeface="Wingdings" panose="05000000000000000000" pitchFamily="2" charset="2"/>
+                  <a:buChar char="q"/>
+                </a:pPr>
+                <a:r>
+                  <a:rPr lang="en-US" sz="2800" dirty="0">
+                    <a:latin typeface="Tahoma" panose="020B0604030504040204" pitchFamily="34" charset="0"/>
+                    <a:ea typeface="Tahoma" panose="020B0604030504040204" pitchFamily="34" charset="0"/>
+                    <a:cs typeface="Tahoma" panose="020B0604030504040204" pitchFamily="34" charset="0"/>
+                    <a:sym typeface="Georgia Pro Light"/>
+                  </a:rPr>
+                  <a:t>|Z-score| ≥ 3 → Anomaly</a:t>
+                </a:r>
+              </a:p>
+              <a:p>
+                <a:pPr marL="845820" lvl="1" indent="-457200" algn="just">
+                  <a:spcBef>
+                    <a:spcPts val="600"/>
+                  </a:spcBef>
+                  <a:buFont typeface="Wingdings" panose="05000000000000000000" pitchFamily="2" charset="2"/>
+                  <a:buChar char="q"/>
+                </a:pPr>
+                <a:r>
+                  <a:rPr lang="en-US" sz="2800" dirty="0">
+                    <a:latin typeface="Tahoma" panose="020B0604030504040204" pitchFamily="34" charset="0"/>
+                    <a:ea typeface="Tahoma" panose="020B0604030504040204" pitchFamily="34" charset="0"/>
+                    <a:cs typeface="Tahoma" panose="020B0604030504040204" pitchFamily="34" charset="0"/>
+                    <a:sym typeface="Georgia Pro Light"/>
+                  </a:rPr>
+                  <a:t>Lưu &amp; </a:t>
+                </a:r>
+                <a:r>
+                  <a:rPr lang="en-US" sz="2800" dirty="0" err="1">
+                    <a:latin typeface="Tahoma" panose="020B0604030504040204" pitchFamily="34" charset="0"/>
+                    <a:ea typeface="Tahoma" panose="020B0604030504040204" pitchFamily="34" charset="0"/>
+                    <a:cs typeface="Tahoma" panose="020B0604030504040204" pitchFamily="34" charset="0"/>
+                    <a:sym typeface="Georgia Pro Light"/>
+                  </a:rPr>
+                  <a:t>giám</a:t>
+                </a:r>
+                <a:r>
+                  <a:rPr lang="en-US" sz="2800" dirty="0">
+                    <a:latin typeface="Tahoma" panose="020B0604030504040204" pitchFamily="34" charset="0"/>
+                    <a:ea typeface="Tahoma" panose="020B0604030504040204" pitchFamily="34" charset="0"/>
+                    <a:cs typeface="Tahoma" panose="020B0604030504040204" pitchFamily="34" charset="0"/>
+                    <a:sym typeface="Georgia Pro Light"/>
+                  </a:rPr>
+                  <a:t> </a:t>
+                </a:r>
+                <a:r>
+                  <a:rPr lang="en-US" sz="2800" dirty="0" err="1">
+                    <a:latin typeface="Tahoma" panose="020B0604030504040204" pitchFamily="34" charset="0"/>
+                    <a:ea typeface="Tahoma" panose="020B0604030504040204" pitchFamily="34" charset="0"/>
+                    <a:cs typeface="Tahoma" panose="020B0604030504040204" pitchFamily="34" charset="0"/>
+                    <a:sym typeface="Georgia Pro Light"/>
+                  </a:rPr>
+                  <a:t>sát</a:t>
+                </a:r>
+                <a:r>
+                  <a:rPr lang="en-US" sz="2800" dirty="0">
+                    <a:latin typeface="Tahoma" panose="020B0604030504040204" pitchFamily="34" charset="0"/>
+                    <a:ea typeface="Tahoma" panose="020B0604030504040204" pitchFamily="34" charset="0"/>
+                    <a:cs typeface="Tahoma" panose="020B0604030504040204" pitchFamily="34" charset="0"/>
+                    <a:sym typeface="Georgia Pro Light"/>
+                  </a:rPr>
+                  <a:t> qua </a:t>
+                </a:r>
+                <a:r>
+                  <a:rPr lang="en-US" sz="2800" dirty="0" err="1">
+                    <a:latin typeface="Tahoma" panose="020B0604030504040204" pitchFamily="34" charset="0"/>
+                    <a:ea typeface="Tahoma" panose="020B0604030504040204" pitchFamily="34" charset="0"/>
+                    <a:cs typeface="Tahoma" panose="020B0604030504040204" pitchFamily="34" charset="0"/>
+                    <a:sym typeface="Georgia Pro Light"/>
+                  </a:rPr>
+                  <a:t>InfluxDB</a:t>
+                </a:r>
+                <a:r>
+                  <a:rPr lang="en-US" sz="2800" dirty="0">
+                    <a:latin typeface="Tahoma" panose="020B0604030504040204" pitchFamily="34" charset="0"/>
+                    <a:ea typeface="Tahoma" panose="020B0604030504040204" pitchFamily="34" charset="0"/>
+                    <a:cs typeface="Tahoma" panose="020B0604030504040204" pitchFamily="34" charset="0"/>
+                    <a:sym typeface="Georgia Pro Light"/>
+                  </a:rPr>
+                  <a:t>, PostgreSQL</a:t>
+                </a:r>
+              </a:p>
+            </p:txBody>
+          </p:sp>
+        </mc:Choice>
+        <mc:Fallback>
+          <p:sp>
+            <p:nvSpPr>
+              <p:cNvPr id="4" name="TextBox 5">
+                <a:extLst>
+                  <a:ext uri="{FF2B5EF4-FFF2-40B4-BE49-F238E27FC236}">
+                    <a16:creationId xmlns:a16="http://schemas.microsoft.com/office/drawing/2014/main" id="{2170E973-48FB-DB25-768D-541FDE87A075}"/>
+                  </a:ext>
+                </a:extLst>
+              </p:cNvPr>
+              <p:cNvSpPr txBox="1">
+                <a:spLocks noRot="1" noChangeAspect="1" noMove="1" noResize="1" noEditPoints="1" noAdjustHandles="1" noChangeArrowheads="1" noChangeShapeType="1" noTextEdit="1"/>
+              </p:cNvSpPr>
+              <p:nvPr/>
+            </p:nvSpPr>
+            <p:spPr>
+              <a:xfrm>
+                <a:off x="897905" y="2197893"/>
+                <a:ext cx="9018315" cy="3631059"/>
+              </a:xfrm>
+              <a:prstGeom prst="rect">
+                <a:avLst/>
+              </a:prstGeom>
+              <a:blipFill>
+                <a:blip r:embed="rId2"/>
+                <a:stretch>
+                  <a:fillRect t="-3025" r="-2365" b="-5042"/>
+                </a:stretch>
+              </a:blipFill>
+            </p:spPr>
+            <p:txBody>
+              <a:bodyPr/>
+              <a:lstStyle/>
+              <a:p>
+                <a:r>
+                  <a:rPr lang="en-US">
+                    <a:noFill/>
+                  </a:rPr>
+                  <a:t> </a:t>
+                </a:r>
+              </a:p>
+            </p:txBody>
+          </p:sp>
+        </mc:Fallback>
+      </mc:AlternateContent>
     </p:spTree>
     <p:extLst>
       <p:ext uri="{BB962C8B-B14F-4D97-AF65-F5344CB8AC3E}">
@@ -21258,8 +21651,8 @@
         </p:nvSpPr>
         <p:spPr>
           <a:xfrm>
-            <a:off x="1226474" y="59559"/>
-            <a:ext cx="9905998" cy="1147937"/>
+            <a:off x="1226474" y="59560"/>
+            <a:ext cx="9905998" cy="865232"/>
           </a:xfrm>
         </p:spPr>
         <p:txBody>
@@ -21376,8 +21769,8 @@
         </p:nvSpPr>
         <p:spPr>
           <a:xfrm>
-            <a:off x="1226474" y="1028700"/>
-            <a:ext cx="10764983" cy="6140142"/>
+            <a:off x="1226474" y="654624"/>
+            <a:ext cx="10764983" cy="6809556"/>
           </a:xfrm>
           <a:prstGeom prst="rect">
             <a:avLst/>
@@ -21392,11 +21785,11 @@
           <a:p>
             <a:pPr lvl="0">
               <a:lnSpc>
-                <a:spcPts val="4480"/>
+                <a:spcPct val="150000"/>
               </a:lnSpc>
             </a:pPr>
             <a:r>
-              <a:rPr lang="en-US" sz="2800" b="1" dirty="0" err="1">
+              <a:rPr lang="en-US" sz="2400" b="1" dirty="0" err="1">
                 <a:latin typeface="Tahoma" panose="020B0604030504040204" pitchFamily="34" charset="0"/>
                 <a:ea typeface="Tahoma" panose="020B0604030504040204" pitchFamily="34" charset="0"/>
                 <a:cs typeface="Tahoma" panose="020B0604030504040204" pitchFamily="34" charset="0"/>
@@ -21405,7 +21798,7 @@
               <a:t>Kết</a:t>
             </a:r>
             <a:r>
-              <a:rPr lang="en-US" sz="2800" b="1" dirty="0">
+              <a:rPr lang="en-US" sz="2400" b="1" dirty="0">
                 <a:latin typeface="Tahoma" panose="020B0604030504040204" pitchFamily="34" charset="0"/>
                 <a:ea typeface="Tahoma" panose="020B0604030504040204" pitchFamily="34" charset="0"/>
                 <a:cs typeface="Tahoma" panose="020B0604030504040204" pitchFamily="34" charset="0"/>
@@ -21414,7 +21807,7 @@
               <a:t> </a:t>
             </a:r>
             <a:r>
-              <a:rPr lang="en-US" sz="2800" b="1" dirty="0" err="1">
+              <a:rPr lang="en-US" sz="2400" b="1" dirty="0" err="1">
                 <a:latin typeface="Tahoma" panose="020B0604030504040204" pitchFamily="34" charset="0"/>
                 <a:ea typeface="Tahoma" panose="020B0604030504040204" pitchFamily="34" charset="0"/>
                 <a:cs typeface="Tahoma" panose="020B0604030504040204" pitchFamily="34" charset="0"/>
@@ -21422,7 +21815,7 @@
               </a:rPr>
               <a:t>luận</a:t>
             </a:r>
-            <a:endParaRPr lang="en-US" sz="2800" b="1" dirty="0">
+            <a:endParaRPr lang="en-US" sz="2400" b="1" dirty="0">
               <a:latin typeface="Tahoma" panose="020B0604030504040204" pitchFamily="34" charset="0"/>
               <a:ea typeface="Tahoma" panose="020B0604030504040204" pitchFamily="34" charset="0"/>
               <a:cs typeface="Tahoma" panose="020B0604030504040204" pitchFamily="34" charset="0"/>
@@ -21432,20 +21825,20 @@
           <a:p>
             <a:pPr lvl="0">
               <a:lnSpc>
-                <a:spcPts val="4480"/>
+                <a:spcPct val="150000"/>
               </a:lnSpc>
             </a:pPr>
             <a:r>
-              <a:rPr lang="en-US" sz="2800" dirty="0">
+              <a:rPr lang="en-US" sz="2400" dirty="0">
                 <a:latin typeface="Tahoma" panose="020B0604030504040204" pitchFamily="34" charset="0"/>
                 <a:ea typeface="Tahoma" panose="020B0604030504040204" pitchFamily="34" charset="0"/>
                 <a:cs typeface="Tahoma" panose="020B0604030504040204" pitchFamily="34" charset="0"/>
                 <a:sym typeface="DM Sans"/>
               </a:rPr>
-              <a:t>- </a:t>
-            </a:r>
-            <a:r>
-              <a:rPr lang="en-US" sz="2800" dirty="0" err="1">
+              <a:t>-   </a:t>
+            </a:r>
+            <a:r>
+              <a:rPr lang="en-US" sz="2400" dirty="0" err="1">
                 <a:latin typeface="Tahoma" panose="020B0604030504040204" pitchFamily="34" charset="0"/>
                 <a:ea typeface="Tahoma" panose="020B0604030504040204" pitchFamily="34" charset="0"/>
                 <a:cs typeface="Tahoma" panose="020B0604030504040204" pitchFamily="34" charset="0"/>
@@ -21454,7 +21847,7 @@
               <a:t>Hệ</a:t>
             </a:r>
             <a:r>
-              <a:rPr lang="en-US" sz="2800" dirty="0">
+              <a:rPr lang="en-US" sz="2400" dirty="0">
                 <a:latin typeface="Tahoma" panose="020B0604030504040204" pitchFamily="34" charset="0"/>
                 <a:ea typeface="Tahoma" panose="020B0604030504040204" pitchFamily="34" charset="0"/>
                 <a:cs typeface="Tahoma" panose="020B0604030504040204" pitchFamily="34" charset="0"/>
@@ -21463,7 +21856,7 @@
               <a:t> </a:t>
             </a:r>
             <a:r>
-              <a:rPr lang="en-US" sz="2800" dirty="0" err="1">
+              <a:rPr lang="en-US" sz="2400" dirty="0" err="1">
                 <a:latin typeface="Tahoma" panose="020B0604030504040204" pitchFamily="34" charset="0"/>
                 <a:ea typeface="Tahoma" panose="020B0604030504040204" pitchFamily="34" charset="0"/>
                 <a:cs typeface="Tahoma" panose="020B0604030504040204" pitchFamily="34" charset="0"/>
@@ -21472,7 +21865,7 @@
               <a:t>thống</a:t>
             </a:r>
             <a:r>
-              <a:rPr lang="en-US" sz="2800" dirty="0">
+              <a:rPr lang="en-US" sz="2400" dirty="0">
                 <a:latin typeface="Tahoma" panose="020B0604030504040204" pitchFamily="34" charset="0"/>
                 <a:ea typeface="Tahoma" panose="020B0604030504040204" pitchFamily="34" charset="0"/>
                 <a:cs typeface="Tahoma" panose="020B0604030504040204" pitchFamily="34" charset="0"/>
@@ -21481,7 +21874,7 @@
               <a:t> </a:t>
             </a:r>
             <a:r>
-              <a:rPr lang="en-US" sz="2800" dirty="0" err="1">
+              <a:rPr lang="en-US" sz="2400" dirty="0" err="1">
                 <a:latin typeface="Tahoma" panose="020B0604030504040204" pitchFamily="34" charset="0"/>
                 <a:ea typeface="Tahoma" panose="020B0604030504040204" pitchFamily="34" charset="0"/>
                 <a:cs typeface="Tahoma" panose="020B0604030504040204" pitchFamily="34" charset="0"/>
@@ -21490,7 +21883,7 @@
               <a:t>hoạt</a:t>
             </a:r>
             <a:r>
-              <a:rPr lang="en-US" sz="2800" dirty="0">
+              <a:rPr lang="en-US" sz="2400" dirty="0">
                 <a:latin typeface="Tahoma" panose="020B0604030504040204" pitchFamily="34" charset="0"/>
                 <a:ea typeface="Tahoma" panose="020B0604030504040204" pitchFamily="34" charset="0"/>
                 <a:cs typeface="Tahoma" panose="020B0604030504040204" pitchFamily="34" charset="0"/>
@@ -21499,7 +21892,7 @@
               <a:t> </a:t>
             </a:r>
             <a:r>
-              <a:rPr lang="en-US" sz="2800" dirty="0" err="1">
+              <a:rPr lang="en-US" sz="2400" dirty="0" err="1">
                 <a:latin typeface="Tahoma" panose="020B0604030504040204" pitchFamily="34" charset="0"/>
                 <a:ea typeface="Tahoma" panose="020B0604030504040204" pitchFamily="34" charset="0"/>
                 <a:cs typeface="Tahoma" panose="020B0604030504040204" pitchFamily="34" charset="0"/>
@@ -21508,7 +21901,7 @@
               <a:t>động</a:t>
             </a:r>
             <a:r>
-              <a:rPr lang="en-US" sz="2800" dirty="0">
+              <a:rPr lang="en-US" sz="2400" dirty="0">
                 <a:latin typeface="Tahoma" panose="020B0604030504040204" pitchFamily="34" charset="0"/>
                 <a:ea typeface="Tahoma" panose="020B0604030504040204" pitchFamily="34" charset="0"/>
                 <a:cs typeface="Tahoma" panose="020B0604030504040204" pitchFamily="34" charset="0"/>
@@ -21517,7 +21910,7 @@
               <a:t> </a:t>
             </a:r>
             <a:r>
-              <a:rPr lang="en-US" sz="2800" dirty="0" err="1">
+              <a:rPr lang="en-US" sz="2400" dirty="0" err="1">
                 <a:latin typeface="Tahoma" panose="020B0604030504040204" pitchFamily="34" charset="0"/>
                 <a:ea typeface="Tahoma" panose="020B0604030504040204" pitchFamily="34" charset="0"/>
                 <a:cs typeface="Tahoma" panose="020B0604030504040204" pitchFamily="34" charset="0"/>
@@ -21526,7 +21919,7 @@
               <a:t>ổn</a:t>
             </a:r>
             <a:r>
-              <a:rPr lang="en-US" sz="2800" dirty="0">
+              <a:rPr lang="en-US" sz="2400" dirty="0">
                 <a:latin typeface="Tahoma" panose="020B0604030504040204" pitchFamily="34" charset="0"/>
                 <a:ea typeface="Tahoma" panose="020B0604030504040204" pitchFamily="34" charset="0"/>
                 <a:cs typeface="Tahoma" panose="020B0604030504040204" pitchFamily="34" charset="0"/>
@@ -21535,7 +21928,7 @@
               <a:t> </a:t>
             </a:r>
             <a:r>
-              <a:rPr lang="en-US" sz="2800" dirty="0" err="1">
+              <a:rPr lang="en-US" sz="2400" dirty="0" err="1">
                 <a:latin typeface="Tahoma" panose="020B0604030504040204" pitchFamily="34" charset="0"/>
                 <a:ea typeface="Tahoma" panose="020B0604030504040204" pitchFamily="34" charset="0"/>
                 <a:cs typeface="Tahoma" panose="020B0604030504040204" pitchFamily="34" charset="0"/>
@@ -21544,7 +21937,7 @@
               <a:t>định</a:t>
             </a:r>
             <a:r>
-              <a:rPr lang="en-US" sz="2800" dirty="0">
+              <a:rPr lang="en-US" sz="2400" dirty="0">
                 <a:latin typeface="Tahoma" panose="020B0604030504040204" pitchFamily="34" charset="0"/>
                 <a:ea typeface="Tahoma" panose="020B0604030504040204" pitchFamily="34" charset="0"/>
                 <a:cs typeface="Tahoma" panose="020B0604030504040204" pitchFamily="34" charset="0"/>
@@ -21553,7 +21946,7 @@
               <a:t> </a:t>
             </a:r>
             <a:r>
-              <a:rPr lang="en-US" sz="2800" dirty="0" err="1">
+              <a:rPr lang="en-US" sz="2400" dirty="0" err="1">
                 <a:latin typeface="Tahoma" panose="020B0604030504040204" pitchFamily="34" charset="0"/>
                 <a:ea typeface="Tahoma" panose="020B0604030504040204" pitchFamily="34" charset="0"/>
                 <a:cs typeface="Tahoma" panose="020B0604030504040204" pitchFamily="34" charset="0"/>
@@ -21562,7 +21955,7 @@
               <a:t>với</a:t>
             </a:r>
             <a:r>
-              <a:rPr lang="en-US" sz="2800" dirty="0">
+              <a:rPr lang="en-US" sz="2400" dirty="0">
                 <a:latin typeface="Tahoma" panose="020B0604030504040204" pitchFamily="34" charset="0"/>
                 <a:ea typeface="Tahoma" panose="020B0604030504040204" pitchFamily="34" charset="0"/>
                 <a:cs typeface="Tahoma" panose="020B0604030504040204" pitchFamily="34" charset="0"/>
@@ -21571,7 +21964,7 @@
               <a:t> </a:t>
             </a:r>
             <a:r>
-              <a:rPr lang="en-US" sz="2800" dirty="0" err="1">
+              <a:rPr lang="en-US" sz="2400" dirty="0" err="1">
                 <a:latin typeface="Tahoma" panose="020B0604030504040204" pitchFamily="34" charset="0"/>
                 <a:ea typeface="Tahoma" panose="020B0604030504040204" pitchFamily="34" charset="0"/>
                 <a:cs typeface="Tahoma" panose="020B0604030504040204" pitchFamily="34" charset="0"/>
@@ -21580,7 +21973,7 @@
               <a:t>dữ</a:t>
             </a:r>
             <a:r>
-              <a:rPr lang="en-US" sz="2800" dirty="0">
+              <a:rPr lang="en-US" sz="2400" dirty="0">
                 <a:latin typeface="Tahoma" panose="020B0604030504040204" pitchFamily="34" charset="0"/>
                 <a:ea typeface="Tahoma" panose="020B0604030504040204" pitchFamily="34" charset="0"/>
                 <a:cs typeface="Tahoma" panose="020B0604030504040204" pitchFamily="34" charset="0"/>
@@ -21589,7 +21982,7 @@
               <a:t> </a:t>
             </a:r>
             <a:r>
-              <a:rPr lang="en-US" sz="2800" dirty="0" err="1">
+              <a:rPr lang="en-US" sz="2400" dirty="0" err="1">
                 <a:latin typeface="Tahoma" panose="020B0604030504040204" pitchFamily="34" charset="0"/>
                 <a:ea typeface="Tahoma" panose="020B0604030504040204" pitchFamily="34" charset="0"/>
                 <a:cs typeface="Tahoma" panose="020B0604030504040204" pitchFamily="34" charset="0"/>
@@ -21598,7 +21991,7 @@
               <a:t>liệu</a:t>
             </a:r>
             <a:r>
-              <a:rPr lang="en-US" sz="2800" dirty="0">
+              <a:rPr lang="en-US" sz="2400" dirty="0">
                 <a:latin typeface="Tahoma" panose="020B0604030504040204" pitchFamily="34" charset="0"/>
                 <a:ea typeface="Tahoma" panose="020B0604030504040204" pitchFamily="34" charset="0"/>
                 <a:cs typeface="Tahoma" panose="020B0604030504040204" pitchFamily="34" charset="0"/>
@@ -21607,7 +22000,7 @@
               <a:t> </a:t>
             </a:r>
             <a:r>
-              <a:rPr lang="en-US" sz="2800" dirty="0" err="1">
+              <a:rPr lang="en-US" sz="2400" dirty="0" err="1">
                 <a:latin typeface="Tahoma" panose="020B0604030504040204" pitchFamily="34" charset="0"/>
                 <a:ea typeface="Tahoma" panose="020B0604030504040204" pitchFamily="34" charset="0"/>
                 <a:cs typeface="Tahoma" panose="020B0604030504040204" pitchFamily="34" charset="0"/>
@@ -21615,7 +22008,7 @@
               </a:rPr>
               <a:t>realtime</a:t>
             </a:r>
-            <a:endParaRPr lang="en-US" sz="2800" dirty="0">
+            <a:endParaRPr lang="en-US" sz="2400" dirty="0">
               <a:latin typeface="Tahoma" panose="020B0604030504040204" pitchFamily="34" charset="0"/>
               <a:ea typeface="Tahoma" panose="020B0604030504040204" pitchFamily="34" charset="0"/>
               <a:cs typeface="Tahoma" panose="020B0604030504040204" pitchFamily="34" charset="0"/>
@@ -21625,20 +22018,20 @@
           <a:p>
             <a:pPr lvl="0">
               <a:lnSpc>
-                <a:spcPts val="4480"/>
+                <a:spcPct val="150000"/>
               </a:lnSpc>
             </a:pPr>
             <a:r>
-              <a:rPr lang="en-US" sz="2800" dirty="0">
+              <a:rPr lang="en-US" sz="2400" dirty="0">
                 <a:latin typeface="Tahoma" panose="020B0604030504040204" pitchFamily="34" charset="0"/>
                 <a:ea typeface="Tahoma" panose="020B0604030504040204" pitchFamily="34" charset="0"/>
                 <a:cs typeface="Tahoma" panose="020B0604030504040204" pitchFamily="34" charset="0"/>
                 <a:sym typeface="DM Sans"/>
               </a:rPr>
-              <a:t>- </a:t>
-            </a:r>
-            <a:r>
-              <a:rPr lang="en-US" sz="2800" dirty="0" err="1">
+              <a:t>-   </a:t>
+            </a:r>
+            <a:r>
+              <a:rPr lang="en-US" sz="2400" dirty="0" err="1">
                 <a:latin typeface="Tahoma" panose="020B0604030504040204" pitchFamily="34" charset="0"/>
                 <a:ea typeface="Tahoma" panose="020B0604030504040204" pitchFamily="34" charset="0"/>
                 <a:cs typeface="Tahoma" panose="020B0604030504040204" pitchFamily="34" charset="0"/>
@@ -21647,7 +22040,7 @@
               <a:t>Phát</a:t>
             </a:r>
             <a:r>
-              <a:rPr lang="en-US" sz="2800" dirty="0">
+              <a:rPr lang="en-US" sz="2400" dirty="0">
                 <a:latin typeface="Tahoma" panose="020B0604030504040204" pitchFamily="34" charset="0"/>
                 <a:ea typeface="Tahoma" panose="020B0604030504040204" pitchFamily="34" charset="0"/>
                 <a:cs typeface="Tahoma" panose="020B0604030504040204" pitchFamily="34" charset="0"/>
@@ -21656,7 +22049,7 @@
               <a:t> </a:t>
             </a:r>
             <a:r>
-              <a:rPr lang="en-US" sz="2800" dirty="0" err="1">
+              <a:rPr lang="en-US" sz="2400" dirty="0" err="1">
                 <a:latin typeface="Tahoma" panose="020B0604030504040204" pitchFamily="34" charset="0"/>
                 <a:ea typeface="Tahoma" panose="020B0604030504040204" pitchFamily="34" charset="0"/>
                 <a:cs typeface="Tahoma" panose="020B0604030504040204" pitchFamily="34" charset="0"/>
@@ -21665,7 +22058,7 @@
               <a:t>hiện</a:t>
             </a:r>
             <a:r>
-              <a:rPr lang="en-US" sz="2800" dirty="0">
+              <a:rPr lang="en-US" sz="2400" dirty="0">
                 <a:latin typeface="Tahoma" panose="020B0604030504040204" pitchFamily="34" charset="0"/>
                 <a:ea typeface="Tahoma" panose="020B0604030504040204" pitchFamily="34" charset="0"/>
                 <a:cs typeface="Tahoma" panose="020B0604030504040204" pitchFamily="34" charset="0"/>
@@ -21674,7 +22067,7 @@
               <a:t> </a:t>
             </a:r>
             <a:r>
-              <a:rPr lang="en-US" sz="2800" dirty="0" err="1">
+              <a:rPr lang="en-US" sz="2400" dirty="0" err="1">
                 <a:latin typeface="Tahoma" panose="020B0604030504040204" pitchFamily="34" charset="0"/>
                 <a:ea typeface="Tahoma" panose="020B0604030504040204" pitchFamily="34" charset="0"/>
                 <a:cs typeface="Tahoma" panose="020B0604030504040204" pitchFamily="34" charset="0"/>
@@ -21683,7 +22076,7 @@
               <a:t>được</a:t>
             </a:r>
             <a:r>
-              <a:rPr lang="en-US" sz="2800" dirty="0">
+              <a:rPr lang="en-US" sz="2400" dirty="0">
                 <a:latin typeface="Tahoma" panose="020B0604030504040204" pitchFamily="34" charset="0"/>
                 <a:ea typeface="Tahoma" panose="020B0604030504040204" pitchFamily="34" charset="0"/>
                 <a:cs typeface="Tahoma" panose="020B0604030504040204" pitchFamily="34" charset="0"/>
@@ -21692,7 +22085,7 @@
               <a:t> </a:t>
             </a:r>
             <a:r>
-              <a:rPr lang="en-US" sz="2800" dirty="0" err="1">
+              <a:rPr lang="en-US" sz="2400" dirty="0" err="1">
                 <a:latin typeface="Tahoma" panose="020B0604030504040204" pitchFamily="34" charset="0"/>
                 <a:ea typeface="Tahoma" panose="020B0604030504040204" pitchFamily="34" charset="0"/>
                 <a:cs typeface="Tahoma" panose="020B0604030504040204" pitchFamily="34" charset="0"/>
@@ -21701,7 +22094,7 @@
               <a:t>bất</a:t>
             </a:r>
             <a:r>
-              <a:rPr lang="en-US" sz="2800" dirty="0">
+              <a:rPr lang="en-US" sz="2400" dirty="0">
                 <a:latin typeface="Tahoma" panose="020B0604030504040204" pitchFamily="34" charset="0"/>
                 <a:ea typeface="Tahoma" panose="020B0604030504040204" pitchFamily="34" charset="0"/>
                 <a:cs typeface="Tahoma" panose="020B0604030504040204" pitchFamily="34" charset="0"/>
@@ -21710,7 +22103,7 @@
               <a:t> </a:t>
             </a:r>
             <a:r>
-              <a:rPr lang="en-US" sz="2800" dirty="0" err="1">
+              <a:rPr lang="en-US" sz="2400" dirty="0" err="1">
                 <a:latin typeface="Tahoma" panose="020B0604030504040204" pitchFamily="34" charset="0"/>
                 <a:ea typeface="Tahoma" panose="020B0604030504040204" pitchFamily="34" charset="0"/>
                 <a:cs typeface="Tahoma" panose="020B0604030504040204" pitchFamily="34" charset="0"/>
@@ -21719,7 +22112,7 @@
               <a:t>thường</a:t>
             </a:r>
             <a:r>
-              <a:rPr lang="en-US" sz="2800" dirty="0">
+              <a:rPr lang="en-US" sz="2400" dirty="0">
                 <a:latin typeface="Tahoma" panose="020B0604030504040204" pitchFamily="34" charset="0"/>
                 <a:ea typeface="Tahoma" panose="020B0604030504040204" pitchFamily="34" charset="0"/>
                 <a:cs typeface="Tahoma" panose="020B0604030504040204" pitchFamily="34" charset="0"/>
@@ -21728,7 +22121,7 @@
               <a:t> </a:t>
             </a:r>
             <a:r>
-              <a:rPr lang="en-US" sz="2800" dirty="0" err="1">
+              <a:rPr lang="en-US" sz="2400" dirty="0" err="1">
                 <a:latin typeface="Tahoma" panose="020B0604030504040204" pitchFamily="34" charset="0"/>
                 <a:ea typeface="Tahoma" panose="020B0604030504040204" pitchFamily="34" charset="0"/>
                 <a:cs typeface="Tahoma" panose="020B0604030504040204" pitchFamily="34" charset="0"/>
@@ -21737,7 +22130,7 @@
               <a:t>áp</a:t>
             </a:r>
             <a:r>
-              <a:rPr lang="en-US" sz="2800" dirty="0">
+              <a:rPr lang="en-US" sz="2400" dirty="0">
                 <a:latin typeface="Tahoma" panose="020B0604030504040204" pitchFamily="34" charset="0"/>
                 <a:ea typeface="Tahoma" panose="020B0604030504040204" pitchFamily="34" charset="0"/>
                 <a:cs typeface="Tahoma" panose="020B0604030504040204" pitchFamily="34" charset="0"/>
@@ -21746,7 +22139,7 @@
               <a:t> </a:t>
             </a:r>
             <a:r>
-              <a:rPr lang="en-US" sz="2800" dirty="0" err="1">
+              <a:rPr lang="en-US" sz="2400" dirty="0" err="1">
                 <a:latin typeface="Tahoma" panose="020B0604030504040204" pitchFamily="34" charset="0"/>
                 <a:ea typeface="Tahoma" panose="020B0604030504040204" pitchFamily="34" charset="0"/>
                 <a:cs typeface="Tahoma" panose="020B0604030504040204" pitchFamily="34" charset="0"/>
@@ -21755,7 +22148,7 @@
               <a:t>dụng</a:t>
             </a:r>
             <a:r>
-              <a:rPr lang="en-US" sz="2800" dirty="0">
+              <a:rPr lang="en-US" sz="2400" dirty="0">
                 <a:latin typeface="Tahoma" panose="020B0604030504040204" pitchFamily="34" charset="0"/>
                 <a:ea typeface="Tahoma" panose="020B0604030504040204" pitchFamily="34" charset="0"/>
                 <a:cs typeface="Tahoma" panose="020B0604030504040204" pitchFamily="34" charset="0"/>
@@ -21767,13 +22160,13 @@
           <a:p>
             <a:pPr marL="457200" lvl="0" indent="-457200">
               <a:lnSpc>
-                <a:spcPts val="4480"/>
+                <a:spcPct val="150000"/>
               </a:lnSpc>
               <a:buFontTx/>
               <a:buChar char="-"/>
             </a:pPr>
             <a:r>
-              <a:rPr lang="en-US" sz="2800" dirty="0" err="1">
+              <a:rPr lang="en-US" sz="2400" dirty="0" err="1">
                 <a:latin typeface="Tahoma" panose="020B0604030504040204" pitchFamily="34" charset="0"/>
                 <a:ea typeface="Tahoma" panose="020B0604030504040204" pitchFamily="34" charset="0"/>
                 <a:cs typeface="Tahoma" panose="020B0604030504040204" pitchFamily="34" charset="0"/>
@@ -21782,7 +22175,7 @@
               <a:t>Kiến</a:t>
             </a:r>
             <a:r>
-              <a:rPr lang="en-US" sz="2800" dirty="0">
+              <a:rPr lang="en-US" sz="2400" dirty="0">
                 <a:latin typeface="Tahoma" panose="020B0604030504040204" pitchFamily="34" charset="0"/>
                 <a:ea typeface="Tahoma" panose="020B0604030504040204" pitchFamily="34" charset="0"/>
                 <a:cs typeface="Tahoma" panose="020B0604030504040204" pitchFamily="34" charset="0"/>
@@ -21791,7 +22184,7 @@
               <a:t> </a:t>
             </a:r>
             <a:r>
-              <a:rPr lang="en-US" sz="2800" dirty="0" err="1">
+              <a:rPr lang="en-US" sz="2400" dirty="0" err="1">
                 <a:latin typeface="Tahoma" panose="020B0604030504040204" pitchFamily="34" charset="0"/>
                 <a:ea typeface="Tahoma" panose="020B0604030504040204" pitchFamily="34" charset="0"/>
                 <a:cs typeface="Tahoma" panose="020B0604030504040204" pitchFamily="34" charset="0"/>
@@ -21800,7 +22193,7 @@
               <a:t>trúc</a:t>
             </a:r>
             <a:r>
-              <a:rPr lang="en-US" sz="2800" dirty="0">
+              <a:rPr lang="en-US" sz="2400" dirty="0">
                 <a:latin typeface="Tahoma" panose="020B0604030504040204" pitchFamily="34" charset="0"/>
                 <a:ea typeface="Tahoma" panose="020B0604030504040204" pitchFamily="34" charset="0"/>
                 <a:cs typeface="Tahoma" panose="020B0604030504040204" pitchFamily="34" charset="0"/>
@@ -21809,7 +22202,7 @@
               <a:t> </a:t>
             </a:r>
             <a:r>
-              <a:rPr lang="en-US" sz="2800" dirty="0" err="1">
+              <a:rPr lang="en-US" sz="2400" dirty="0" err="1">
                 <a:latin typeface="Tahoma" panose="020B0604030504040204" pitchFamily="34" charset="0"/>
                 <a:ea typeface="Tahoma" panose="020B0604030504040204" pitchFamily="34" charset="0"/>
                 <a:cs typeface="Tahoma" panose="020B0604030504040204" pitchFamily="34" charset="0"/>
@@ -21818,7 +22211,7 @@
               <a:t>mở</a:t>
             </a:r>
             <a:r>
-              <a:rPr lang="en-US" sz="2800" dirty="0">
+              <a:rPr lang="en-US" sz="2400" dirty="0">
                 <a:latin typeface="Tahoma" panose="020B0604030504040204" pitchFamily="34" charset="0"/>
                 <a:ea typeface="Tahoma" panose="020B0604030504040204" pitchFamily="34" charset="0"/>
                 <a:cs typeface="Tahoma" panose="020B0604030504040204" pitchFamily="34" charset="0"/>
@@ -21827,7 +22220,7 @@
               <a:t> </a:t>
             </a:r>
             <a:r>
-              <a:rPr lang="en-US" sz="2800" dirty="0" err="1">
+              <a:rPr lang="en-US" sz="2400" dirty="0" err="1">
                 <a:latin typeface="Tahoma" panose="020B0604030504040204" pitchFamily="34" charset="0"/>
                 <a:ea typeface="Tahoma" panose="020B0604030504040204" pitchFamily="34" charset="0"/>
                 <a:cs typeface="Tahoma" panose="020B0604030504040204" pitchFamily="34" charset="0"/>
@@ -21836,7 +22229,7 @@
               <a:t>rộng</a:t>
             </a:r>
             <a:r>
-              <a:rPr lang="en-US" sz="2800" dirty="0">
+              <a:rPr lang="en-US" sz="2400" dirty="0">
                 <a:latin typeface="Tahoma" panose="020B0604030504040204" pitchFamily="34" charset="0"/>
                 <a:ea typeface="Tahoma" panose="020B0604030504040204" pitchFamily="34" charset="0"/>
                 <a:cs typeface="Tahoma" panose="020B0604030504040204" pitchFamily="34" charset="0"/>
@@ -21845,7 +22238,7 @@
               <a:t>, </a:t>
             </a:r>
             <a:r>
-              <a:rPr lang="en-US" sz="2800" dirty="0" err="1">
+              <a:rPr lang="en-US" sz="2400" dirty="0" err="1">
                 <a:latin typeface="Tahoma" panose="020B0604030504040204" pitchFamily="34" charset="0"/>
                 <a:ea typeface="Tahoma" panose="020B0604030504040204" pitchFamily="34" charset="0"/>
                 <a:cs typeface="Tahoma" panose="020B0604030504040204" pitchFamily="34" charset="0"/>
@@ -21854,7 +22247,7 @@
               <a:t>tách</a:t>
             </a:r>
             <a:r>
-              <a:rPr lang="en-US" sz="2800" dirty="0">
+              <a:rPr lang="en-US" sz="2400" dirty="0">
                 <a:latin typeface="Tahoma" panose="020B0604030504040204" pitchFamily="34" charset="0"/>
                 <a:ea typeface="Tahoma" panose="020B0604030504040204" pitchFamily="34" charset="0"/>
                 <a:cs typeface="Tahoma" panose="020B0604030504040204" pitchFamily="34" charset="0"/>
@@ -21863,7 +22256,7 @@
               <a:t> </a:t>
             </a:r>
             <a:r>
-              <a:rPr lang="en-US" sz="2800" dirty="0" err="1">
+              <a:rPr lang="en-US" sz="2400" dirty="0" err="1">
                 <a:latin typeface="Tahoma" panose="020B0604030504040204" pitchFamily="34" charset="0"/>
                 <a:ea typeface="Tahoma" panose="020B0604030504040204" pitchFamily="34" charset="0"/>
                 <a:cs typeface="Tahoma" panose="020B0604030504040204" pitchFamily="34" charset="0"/>
@@ -21872,7 +22265,7 @@
               <a:t>biệt</a:t>
             </a:r>
             <a:r>
-              <a:rPr lang="en-US" sz="2800" dirty="0">
+              <a:rPr lang="en-US" sz="2400" dirty="0">
                 <a:latin typeface="Tahoma" panose="020B0604030504040204" pitchFamily="34" charset="0"/>
                 <a:ea typeface="Tahoma" panose="020B0604030504040204" pitchFamily="34" charset="0"/>
                 <a:cs typeface="Tahoma" panose="020B0604030504040204" pitchFamily="34" charset="0"/>
@@ -21884,13 +22277,13 @@
           <a:p>
             <a:pPr marL="457200" lvl="0" indent="-457200">
               <a:lnSpc>
-                <a:spcPts val="4480"/>
+                <a:spcPct val="150000"/>
               </a:lnSpc>
               <a:buFontTx/>
               <a:buChar char="-"/>
             </a:pPr>
             <a:r>
-              <a:rPr lang="en-US" sz="2800" dirty="0">
+              <a:rPr lang="en-US" sz="2400" dirty="0">
                 <a:latin typeface="Tahoma" panose="020B0604030504040204" pitchFamily="34" charset="0"/>
                 <a:ea typeface="Tahoma" panose="020B0604030504040204" pitchFamily="34" charset="0"/>
                 <a:cs typeface="Tahoma" panose="020B0604030504040204" pitchFamily="34" charset="0"/>
@@ -21902,11 +22295,11 @@
           <a:p>
             <a:pPr lvl="0">
               <a:lnSpc>
-                <a:spcPts val="4480"/>
+                <a:spcPct val="150000"/>
               </a:lnSpc>
             </a:pPr>
             <a:r>
-              <a:rPr lang="en-US" sz="2800" b="1" dirty="0" err="1">
+              <a:rPr lang="en-US" sz="2400" b="1" dirty="0" err="1">
                 <a:latin typeface="Tahoma" panose="020B0604030504040204" pitchFamily="34" charset="0"/>
                 <a:ea typeface="Tahoma" panose="020B0604030504040204" pitchFamily="34" charset="0"/>
                 <a:cs typeface="Tahoma" panose="020B0604030504040204" pitchFamily="34" charset="0"/>
@@ -21915,7 +22308,7 @@
               <a:t>Hướng</a:t>
             </a:r>
             <a:r>
-              <a:rPr lang="en-US" sz="2800" b="1" dirty="0">
+              <a:rPr lang="en-US" sz="2400" b="1" dirty="0">
                 <a:latin typeface="Tahoma" panose="020B0604030504040204" pitchFamily="34" charset="0"/>
                 <a:ea typeface="Tahoma" panose="020B0604030504040204" pitchFamily="34" charset="0"/>
                 <a:cs typeface="Tahoma" panose="020B0604030504040204" pitchFamily="34" charset="0"/>
@@ -21924,7 +22317,7 @@
               <a:t> </a:t>
             </a:r>
             <a:r>
-              <a:rPr lang="en-US" sz="2800" b="1" dirty="0" err="1">
+              <a:rPr lang="en-US" sz="2400" b="1" dirty="0" err="1">
                 <a:latin typeface="Tahoma" panose="020B0604030504040204" pitchFamily="34" charset="0"/>
                 <a:ea typeface="Tahoma" panose="020B0604030504040204" pitchFamily="34" charset="0"/>
                 <a:cs typeface="Tahoma" panose="020B0604030504040204" pitchFamily="34" charset="0"/>
@@ -21933,7 +22326,7 @@
               <a:t>phát</a:t>
             </a:r>
             <a:r>
-              <a:rPr lang="en-US" sz="2800" b="1" dirty="0">
+              <a:rPr lang="en-US" sz="2400" b="1" dirty="0">
                 <a:latin typeface="Tahoma" panose="020B0604030504040204" pitchFamily="34" charset="0"/>
                 <a:ea typeface="Tahoma" panose="020B0604030504040204" pitchFamily="34" charset="0"/>
                 <a:cs typeface="Tahoma" panose="020B0604030504040204" pitchFamily="34" charset="0"/>
@@ -21942,7 +22335,7 @@
               <a:t> </a:t>
             </a:r>
             <a:r>
-              <a:rPr lang="en-US" sz="2800" b="1" dirty="0" err="1">
+              <a:rPr lang="en-US" sz="2400" b="1" dirty="0" err="1">
                 <a:latin typeface="Tahoma" panose="020B0604030504040204" pitchFamily="34" charset="0"/>
                 <a:ea typeface="Tahoma" panose="020B0604030504040204" pitchFamily="34" charset="0"/>
                 <a:cs typeface="Tahoma" panose="020B0604030504040204" pitchFamily="34" charset="0"/>
@@ -21950,164 +22343,7 @@
               </a:rPr>
               <a:t>triển</a:t>
             </a:r>
-            <a:endParaRPr lang="en-US" sz="2800" b="1" dirty="0">
-              <a:latin typeface="Tahoma" panose="020B0604030504040204" pitchFamily="34" charset="0"/>
-              <a:ea typeface="Tahoma" panose="020B0604030504040204" pitchFamily="34" charset="0"/>
-              <a:cs typeface="Tahoma" panose="020B0604030504040204" pitchFamily="34" charset="0"/>
-              <a:sym typeface="DM Sans"/>
-            </a:endParaRPr>
-          </a:p>
-          <a:p>
-            <a:pPr lvl="0">
-              <a:lnSpc>
-                <a:spcPts val="4480"/>
-              </a:lnSpc>
-            </a:pPr>
-            <a:r>
-              <a:rPr lang="en-US" sz="2800" dirty="0">
-                <a:latin typeface="Tahoma" panose="020B0604030504040204" pitchFamily="34" charset="0"/>
-                <a:ea typeface="Tahoma" panose="020B0604030504040204" pitchFamily="34" charset="0"/>
-                <a:cs typeface="Tahoma" panose="020B0604030504040204" pitchFamily="34" charset="0"/>
-                <a:sym typeface="DM Sans"/>
-              </a:rPr>
-              <a:t>-   </a:t>
-            </a:r>
-            <a:r>
-              <a:rPr lang="en-US" sz="2800" dirty="0" err="1">
-                <a:latin typeface="Tahoma" panose="020B0604030504040204" pitchFamily="34" charset="0"/>
-                <a:ea typeface="Tahoma" panose="020B0604030504040204" pitchFamily="34" charset="0"/>
-                <a:cs typeface="Tahoma" panose="020B0604030504040204" pitchFamily="34" charset="0"/>
-                <a:sym typeface="DM Sans"/>
-              </a:rPr>
-              <a:t>Áp</a:t>
-            </a:r>
-            <a:r>
-              <a:rPr lang="en-US" sz="2800" dirty="0">
-                <a:latin typeface="Tahoma" panose="020B0604030504040204" pitchFamily="34" charset="0"/>
-                <a:ea typeface="Tahoma" panose="020B0604030504040204" pitchFamily="34" charset="0"/>
-                <a:cs typeface="Tahoma" panose="020B0604030504040204" pitchFamily="34" charset="0"/>
-                <a:sym typeface="DM Sans"/>
-              </a:rPr>
-              <a:t> </a:t>
-            </a:r>
-            <a:r>
-              <a:rPr lang="en-US" sz="2800" dirty="0" err="1">
-                <a:latin typeface="Tahoma" panose="020B0604030504040204" pitchFamily="34" charset="0"/>
-                <a:ea typeface="Tahoma" panose="020B0604030504040204" pitchFamily="34" charset="0"/>
-                <a:cs typeface="Tahoma" panose="020B0604030504040204" pitchFamily="34" charset="0"/>
-                <a:sym typeface="DM Sans"/>
-              </a:rPr>
-              <a:t>dụng</a:t>
-            </a:r>
-            <a:r>
-              <a:rPr lang="en-US" sz="2800" dirty="0">
-                <a:latin typeface="Tahoma" panose="020B0604030504040204" pitchFamily="34" charset="0"/>
-                <a:ea typeface="Tahoma" panose="020B0604030504040204" pitchFamily="34" charset="0"/>
-                <a:cs typeface="Tahoma" panose="020B0604030504040204" pitchFamily="34" charset="0"/>
-                <a:sym typeface="DM Sans"/>
-              </a:rPr>
-              <a:t> them </a:t>
-            </a:r>
-            <a:r>
-              <a:rPr lang="en-US" sz="2800" dirty="0" err="1">
-                <a:latin typeface="Tahoma" panose="020B0604030504040204" pitchFamily="34" charset="0"/>
-                <a:ea typeface="Tahoma" panose="020B0604030504040204" pitchFamily="34" charset="0"/>
-                <a:cs typeface="Tahoma" panose="020B0604030504040204" pitchFamily="34" charset="0"/>
-                <a:sym typeface="DM Sans"/>
-              </a:rPr>
-              <a:t>các</a:t>
-            </a:r>
-            <a:r>
-              <a:rPr lang="en-US" sz="2800" dirty="0">
-                <a:latin typeface="Tahoma" panose="020B0604030504040204" pitchFamily="34" charset="0"/>
-                <a:ea typeface="Tahoma" panose="020B0604030504040204" pitchFamily="34" charset="0"/>
-                <a:cs typeface="Tahoma" panose="020B0604030504040204" pitchFamily="34" charset="0"/>
-                <a:sym typeface="DM Sans"/>
-              </a:rPr>
-              <a:t> ML (LLM) Models </a:t>
-            </a:r>
-            <a:r>
-              <a:rPr lang="en-US" sz="2800" dirty="0" err="1">
-                <a:latin typeface="Tahoma" panose="020B0604030504040204" pitchFamily="34" charset="0"/>
-                <a:ea typeface="Tahoma" panose="020B0604030504040204" pitchFamily="34" charset="0"/>
-                <a:cs typeface="Tahoma" panose="020B0604030504040204" pitchFamily="34" charset="0"/>
-                <a:sym typeface="DM Sans"/>
-              </a:rPr>
-              <a:t>để</a:t>
-            </a:r>
-            <a:r>
-              <a:rPr lang="en-US" sz="2800" dirty="0">
-                <a:latin typeface="Tahoma" panose="020B0604030504040204" pitchFamily="34" charset="0"/>
-                <a:ea typeface="Tahoma" panose="020B0604030504040204" pitchFamily="34" charset="0"/>
-                <a:cs typeface="Tahoma" panose="020B0604030504040204" pitchFamily="34" charset="0"/>
-                <a:sym typeface="DM Sans"/>
-              </a:rPr>
-              <a:t> </a:t>
-            </a:r>
-            <a:r>
-              <a:rPr lang="en-US" sz="2800" dirty="0" err="1">
-                <a:latin typeface="Tahoma" panose="020B0604030504040204" pitchFamily="34" charset="0"/>
-                <a:ea typeface="Tahoma" panose="020B0604030504040204" pitchFamily="34" charset="0"/>
-                <a:cs typeface="Tahoma" panose="020B0604030504040204" pitchFamily="34" charset="0"/>
-                <a:sym typeface="DM Sans"/>
-              </a:rPr>
-              <a:t>phát</a:t>
-            </a:r>
-            <a:r>
-              <a:rPr lang="en-US" sz="2800" dirty="0">
-                <a:latin typeface="Tahoma" panose="020B0604030504040204" pitchFamily="34" charset="0"/>
-                <a:ea typeface="Tahoma" panose="020B0604030504040204" pitchFamily="34" charset="0"/>
-                <a:cs typeface="Tahoma" panose="020B0604030504040204" pitchFamily="34" charset="0"/>
-                <a:sym typeface="DM Sans"/>
-              </a:rPr>
-              <a:t> </a:t>
-            </a:r>
-            <a:r>
-              <a:rPr lang="en-US" sz="2800" dirty="0" err="1">
-                <a:latin typeface="Tahoma" panose="020B0604030504040204" pitchFamily="34" charset="0"/>
-                <a:ea typeface="Tahoma" panose="020B0604030504040204" pitchFamily="34" charset="0"/>
-                <a:cs typeface="Tahoma" panose="020B0604030504040204" pitchFamily="34" charset="0"/>
-                <a:sym typeface="DM Sans"/>
-              </a:rPr>
-              <a:t>hiện</a:t>
-            </a:r>
-            <a:r>
-              <a:rPr lang="en-US" sz="2800" dirty="0">
-                <a:latin typeface="Tahoma" panose="020B0604030504040204" pitchFamily="34" charset="0"/>
-                <a:ea typeface="Tahoma" panose="020B0604030504040204" pitchFamily="34" charset="0"/>
-                <a:cs typeface="Tahoma" panose="020B0604030504040204" pitchFamily="34" charset="0"/>
-                <a:sym typeface="DM Sans"/>
-              </a:rPr>
-              <a:t> </a:t>
-            </a:r>
-            <a:r>
-              <a:rPr lang="en-US" sz="2800" dirty="0" err="1">
-                <a:latin typeface="Tahoma" panose="020B0604030504040204" pitchFamily="34" charset="0"/>
-                <a:ea typeface="Tahoma" panose="020B0604030504040204" pitchFamily="34" charset="0"/>
-                <a:cs typeface="Tahoma" panose="020B0604030504040204" pitchFamily="34" charset="0"/>
-                <a:sym typeface="DM Sans"/>
-              </a:rPr>
-              <a:t>bất</a:t>
-            </a:r>
-            <a:r>
-              <a:rPr lang="en-US" sz="2800" dirty="0">
-                <a:latin typeface="Tahoma" panose="020B0604030504040204" pitchFamily="34" charset="0"/>
-                <a:ea typeface="Tahoma" panose="020B0604030504040204" pitchFamily="34" charset="0"/>
-                <a:cs typeface="Tahoma" panose="020B0604030504040204" pitchFamily="34" charset="0"/>
-                <a:sym typeface="DM Sans"/>
-              </a:rPr>
-              <a:t> </a:t>
-            </a:r>
-            <a:r>
-              <a:rPr lang="en-US" sz="2800" dirty="0" err="1">
-                <a:latin typeface="Tahoma" panose="020B0604030504040204" pitchFamily="34" charset="0"/>
-                <a:ea typeface="Tahoma" panose="020B0604030504040204" pitchFamily="34" charset="0"/>
-                <a:cs typeface="Tahoma" panose="020B0604030504040204" pitchFamily="34" charset="0"/>
-                <a:sym typeface="DM Sans"/>
-              </a:rPr>
-              <a:t>thường</a:t>
-            </a:r>
-            <a:endParaRPr lang="en-US" sz="2800" dirty="0">
+            <a:endParaRPr lang="en-US" sz="2400" b="1" dirty="0">
               <a:latin typeface="Tahoma" panose="020B0604030504040204" pitchFamily="34" charset="0"/>
               <a:ea typeface="Tahoma" panose="020B0604030504040204" pitchFamily="34" charset="0"/>
               <a:cs typeface="Tahoma" panose="020B0604030504040204" pitchFamily="34" charset="0"/>
@@ -22117,22 +22353,22 @@
           <a:p>
             <a:pPr marL="457200" lvl="0" indent="-457200">
               <a:lnSpc>
-                <a:spcPts val="4480"/>
+                <a:spcPct val="150000"/>
               </a:lnSpc>
               <a:buFontTx/>
               <a:buChar char="-"/>
             </a:pPr>
             <a:r>
-              <a:rPr lang="en-US" sz="2800" dirty="0" err="1">
+              <a:rPr lang="en-US" sz="2400" dirty="0" err="1">
                 <a:latin typeface="Tahoma" panose="020B0604030504040204" pitchFamily="34" charset="0"/>
                 <a:ea typeface="Tahoma" panose="020B0604030504040204" pitchFamily="34" charset="0"/>
                 <a:cs typeface="Tahoma" panose="020B0604030504040204" pitchFamily="34" charset="0"/>
                 <a:sym typeface="DM Sans"/>
               </a:rPr>
-              <a:t>Tích</a:t>
-            </a:r>
-            <a:r>
-              <a:rPr lang="en-US" sz="2800" dirty="0">
+              <a:t>Áp</a:t>
+            </a:r>
+            <a:r>
+              <a:rPr lang="en-US" sz="2400" dirty="0">
                 <a:latin typeface="Tahoma" panose="020B0604030504040204" pitchFamily="34" charset="0"/>
                 <a:ea typeface="Tahoma" panose="020B0604030504040204" pitchFamily="34" charset="0"/>
                 <a:cs typeface="Tahoma" panose="020B0604030504040204" pitchFamily="34" charset="0"/>
@@ -22141,16 +22377,16 @@
               <a:t> </a:t>
             </a:r>
             <a:r>
-              <a:rPr lang="en-US" sz="2800" dirty="0" err="1">
+              <a:rPr lang="en-US" sz="2400" dirty="0" err="1">
                 <a:latin typeface="Tahoma" panose="020B0604030504040204" pitchFamily="34" charset="0"/>
                 <a:ea typeface="Tahoma" panose="020B0604030504040204" pitchFamily="34" charset="0"/>
                 <a:cs typeface="Tahoma" panose="020B0604030504040204" pitchFamily="34" charset="0"/>
                 <a:sym typeface="DM Sans"/>
               </a:rPr>
-              <a:t>hợp</a:t>
-            </a:r>
-            <a:r>
-              <a:rPr lang="en-US" sz="2800" dirty="0">
+              <a:t>dụng</a:t>
+            </a:r>
+            <a:r>
+              <a:rPr lang="en-US" sz="2400" dirty="0">
                 <a:latin typeface="Tahoma" panose="020B0604030504040204" pitchFamily="34" charset="0"/>
                 <a:ea typeface="Tahoma" panose="020B0604030504040204" pitchFamily="34" charset="0"/>
                 <a:cs typeface="Tahoma" panose="020B0604030504040204" pitchFamily="34" charset="0"/>
@@ -22159,7 +22395,7 @@
               <a:t> </a:t>
             </a:r>
             <a:r>
-              <a:rPr lang="en-US" sz="2800" dirty="0" err="1">
+              <a:rPr lang="en-US" sz="2400" dirty="0" err="1">
                 <a:latin typeface="Tahoma" panose="020B0604030504040204" pitchFamily="34" charset="0"/>
                 <a:ea typeface="Tahoma" panose="020B0604030504040204" pitchFamily="34" charset="0"/>
                 <a:cs typeface="Tahoma" panose="020B0604030504040204" pitchFamily="34" charset="0"/>
@@ -22168,7 +22404,7 @@
               <a:t>thêm</a:t>
             </a:r>
             <a:r>
-              <a:rPr lang="en-US" sz="2800" dirty="0">
+              <a:rPr lang="en-US" sz="2400" dirty="0">
                 <a:latin typeface="Tahoma" panose="020B0604030504040204" pitchFamily="34" charset="0"/>
                 <a:ea typeface="Tahoma" panose="020B0604030504040204" pitchFamily="34" charset="0"/>
                 <a:cs typeface="Tahoma" panose="020B0604030504040204" pitchFamily="34" charset="0"/>
@@ -22177,7 +22413,7 @@
               <a:t> </a:t>
             </a:r>
             <a:r>
-              <a:rPr lang="en-US" sz="2800" dirty="0" err="1">
+              <a:rPr lang="en-US" sz="2400" dirty="0" err="1">
                 <a:latin typeface="Tahoma" panose="020B0604030504040204" pitchFamily="34" charset="0"/>
                 <a:ea typeface="Tahoma" panose="020B0604030504040204" pitchFamily="34" charset="0"/>
                 <a:cs typeface="Tahoma" panose="020B0604030504040204" pitchFamily="34" charset="0"/>
@@ -22186,25 +22422,43 @@
               <a:t>các</a:t>
             </a:r>
             <a:r>
-              <a:rPr lang="en-US" sz="2800" dirty="0">
+              <a:rPr lang="en-US" sz="2400" dirty="0">
                 <a:latin typeface="Tahoma" panose="020B0604030504040204" pitchFamily="34" charset="0"/>
                 <a:ea typeface="Tahoma" panose="020B0604030504040204" pitchFamily="34" charset="0"/>
                 <a:cs typeface="Tahoma" panose="020B0604030504040204" pitchFamily="34" charset="0"/>
                 <a:sym typeface="DM Sans"/>
               </a:rPr>
+              <a:t> ML Models </a:t>
+            </a:r>
+            <a:r>
+              <a:rPr lang="en-US" sz="2400" dirty="0" err="1">
+                <a:latin typeface="Tahoma" panose="020B0604030504040204" pitchFamily="34" charset="0"/>
+                <a:ea typeface="Tahoma" panose="020B0604030504040204" pitchFamily="34" charset="0"/>
+                <a:cs typeface="Tahoma" panose="020B0604030504040204" pitchFamily="34" charset="0"/>
+                <a:sym typeface="DM Sans"/>
+              </a:rPr>
+              <a:t>để</a:t>
+            </a:r>
+            <a:r>
+              <a:rPr lang="en-US" sz="2400" dirty="0">
+                <a:latin typeface="Tahoma" panose="020B0604030504040204" pitchFamily="34" charset="0"/>
+                <a:ea typeface="Tahoma" panose="020B0604030504040204" pitchFamily="34" charset="0"/>
+                <a:cs typeface="Tahoma" panose="020B0604030504040204" pitchFamily="34" charset="0"/>
+                <a:sym typeface="DM Sans"/>
+              </a:rPr>
               <a:t> </a:t>
             </a:r>
             <a:r>
-              <a:rPr lang="en-US" sz="2800" dirty="0" err="1">
+              <a:rPr lang="en-US" sz="2400" dirty="0" err="1">
                 <a:latin typeface="Tahoma" panose="020B0604030504040204" pitchFamily="34" charset="0"/>
                 <a:ea typeface="Tahoma" panose="020B0604030504040204" pitchFamily="34" charset="0"/>
                 <a:cs typeface="Tahoma" panose="020B0604030504040204" pitchFamily="34" charset="0"/>
                 <a:sym typeface="DM Sans"/>
               </a:rPr>
-              <a:t>giao</a:t>
-            </a:r>
-            <a:r>
-              <a:rPr lang="en-US" sz="2800" dirty="0">
+              <a:t>phát</a:t>
+            </a:r>
+            <a:r>
+              <a:rPr lang="en-US" sz="2400" dirty="0">
                 <a:latin typeface="Tahoma" panose="020B0604030504040204" pitchFamily="34" charset="0"/>
                 <a:ea typeface="Tahoma" panose="020B0604030504040204" pitchFamily="34" charset="0"/>
                 <a:cs typeface="Tahoma" panose="020B0604030504040204" pitchFamily="34" charset="0"/>
@@ -22213,43 +22467,256 @@
               <a:t> </a:t>
             </a:r>
             <a:r>
-              <a:rPr lang="en-US" sz="2800" dirty="0" err="1">
+              <a:rPr lang="en-US" sz="2400" dirty="0" err="1">
                 <a:latin typeface="Tahoma" panose="020B0604030504040204" pitchFamily="34" charset="0"/>
                 <a:ea typeface="Tahoma" panose="020B0604030504040204" pitchFamily="34" charset="0"/>
                 <a:cs typeface="Tahoma" panose="020B0604030504040204" pitchFamily="34" charset="0"/>
                 <a:sym typeface="DM Sans"/>
               </a:rPr>
-              <a:t>thức</a:t>
-            </a:r>
-            <a:r>
-              <a:rPr lang="en-US" sz="2800" dirty="0">
+              <a:t>hiện</a:t>
+            </a:r>
+            <a:r>
+              <a:rPr lang="en-US" sz="2400" dirty="0">
                 <a:latin typeface="Tahoma" panose="020B0604030504040204" pitchFamily="34" charset="0"/>
                 <a:ea typeface="Tahoma" panose="020B0604030504040204" pitchFamily="34" charset="0"/>
                 <a:cs typeface="Tahoma" panose="020B0604030504040204" pitchFamily="34" charset="0"/>
                 <a:sym typeface="DM Sans"/>
               </a:rPr>
-              <a:t> IoT (Zigbee,…)</a:t>
-            </a:r>
+              <a:t> </a:t>
+            </a:r>
+            <a:r>
+              <a:rPr lang="en-US" sz="2400" dirty="0" err="1">
+                <a:latin typeface="Tahoma" panose="020B0604030504040204" pitchFamily="34" charset="0"/>
+                <a:ea typeface="Tahoma" panose="020B0604030504040204" pitchFamily="34" charset="0"/>
+                <a:cs typeface="Tahoma" panose="020B0604030504040204" pitchFamily="34" charset="0"/>
+                <a:sym typeface="DM Sans"/>
+              </a:rPr>
+              <a:t>bất</a:t>
+            </a:r>
+            <a:r>
+              <a:rPr lang="en-US" sz="2400" dirty="0">
+                <a:latin typeface="Tahoma" panose="020B0604030504040204" pitchFamily="34" charset="0"/>
+                <a:ea typeface="Tahoma" panose="020B0604030504040204" pitchFamily="34" charset="0"/>
+                <a:cs typeface="Tahoma" panose="020B0604030504040204" pitchFamily="34" charset="0"/>
+                <a:sym typeface="DM Sans"/>
+              </a:rPr>
+              <a:t> </a:t>
+            </a:r>
+            <a:r>
+              <a:rPr lang="en-US" sz="2400" dirty="0" err="1">
+                <a:latin typeface="Tahoma" panose="020B0604030504040204" pitchFamily="34" charset="0"/>
+                <a:ea typeface="Tahoma" panose="020B0604030504040204" pitchFamily="34" charset="0"/>
+                <a:cs typeface="Tahoma" panose="020B0604030504040204" pitchFamily="34" charset="0"/>
+                <a:sym typeface="DM Sans"/>
+              </a:rPr>
+              <a:t>thường</a:t>
+            </a:r>
+            <a:endParaRPr lang="en-US" sz="2400" dirty="0">
+              <a:latin typeface="Tahoma" panose="020B0604030504040204" pitchFamily="34" charset="0"/>
+              <a:ea typeface="Tahoma" panose="020B0604030504040204" pitchFamily="34" charset="0"/>
+              <a:cs typeface="Tahoma" panose="020B0604030504040204" pitchFamily="34" charset="0"/>
+              <a:sym typeface="DM Sans"/>
+            </a:endParaRPr>
           </a:p>
           <a:p>
             <a:pPr marL="457200" lvl="0" indent="-457200">
               <a:lnSpc>
-                <a:spcPts val="4480"/>
+                <a:spcPct val="150000"/>
               </a:lnSpc>
               <a:buFontTx/>
               <a:buChar char="-"/>
             </a:pPr>
             <a:r>
-              <a:rPr lang="en-US" sz="2800" dirty="0" err="1">
+              <a:rPr lang="en-US" sz="2400" dirty="0" err="1">
                 <a:latin typeface="Tahoma" panose="020B0604030504040204" pitchFamily="34" charset="0"/>
                 <a:ea typeface="Tahoma" panose="020B0604030504040204" pitchFamily="34" charset="0"/>
                 <a:cs typeface="Tahoma" panose="020B0604030504040204" pitchFamily="34" charset="0"/>
                 <a:sym typeface="DM Sans"/>
               </a:rPr>
+              <a:t>Ứng</a:t>
+            </a:r>
+            <a:r>
+              <a:rPr lang="en-US" sz="2400" dirty="0">
+                <a:latin typeface="Tahoma" panose="020B0604030504040204" pitchFamily="34" charset="0"/>
+                <a:ea typeface="Tahoma" panose="020B0604030504040204" pitchFamily="34" charset="0"/>
+                <a:cs typeface="Tahoma" panose="020B0604030504040204" pitchFamily="34" charset="0"/>
+                <a:sym typeface="DM Sans"/>
+              </a:rPr>
+              <a:t> </a:t>
+            </a:r>
+            <a:r>
+              <a:rPr lang="en-US" sz="2400" dirty="0" err="1">
+                <a:latin typeface="Tahoma" panose="020B0604030504040204" pitchFamily="34" charset="0"/>
+                <a:ea typeface="Tahoma" panose="020B0604030504040204" pitchFamily="34" charset="0"/>
+                <a:cs typeface="Tahoma" panose="020B0604030504040204" pitchFamily="34" charset="0"/>
+                <a:sym typeface="DM Sans"/>
+              </a:rPr>
+              <a:t>dụng</a:t>
+            </a:r>
+            <a:r>
+              <a:rPr lang="en-US" sz="2400" dirty="0">
+                <a:latin typeface="Tahoma" panose="020B0604030504040204" pitchFamily="34" charset="0"/>
+                <a:ea typeface="Tahoma" panose="020B0604030504040204" pitchFamily="34" charset="0"/>
+                <a:cs typeface="Tahoma" panose="020B0604030504040204" pitchFamily="34" charset="0"/>
+                <a:sym typeface="DM Sans"/>
+              </a:rPr>
+              <a:t> </a:t>
+            </a:r>
+            <a:r>
+              <a:rPr lang="en-US" sz="2400" dirty="0" err="1">
+                <a:latin typeface="Tahoma" panose="020B0604030504040204" pitchFamily="34" charset="0"/>
+                <a:ea typeface="Tahoma" panose="020B0604030504040204" pitchFamily="34" charset="0"/>
+                <a:cs typeface="Tahoma" panose="020B0604030504040204" pitchFamily="34" charset="0"/>
+                <a:sym typeface="DM Sans"/>
+              </a:rPr>
+              <a:t>MinIO</a:t>
+            </a:r>
+            <a:r>
+              <a:rPr lang="en-US" sz="2400" dirty="0">
+                <a:latin typeface="Tahoma" panose="020B0604030504040204" pitchFamily="34" charset="0"/>
+                <a:ea typeface="Tahoma" panose="020B0604030504040204" pitchFamily="34" charset="0"/>
+                <a:cs typeface="Tahoma" panose="020B0604030504040204" pitchFamily="34" charset="0"/>
+                <a:sym typeface="DM Sans"/>
+              </a:rPr>
+              <a:t> Distributed Cluster</a:t>
+            </a:r>
+          </a:p>
+          <a:p>
+            <a:pPr marL="457200" lvl="0" indent="-457200">
+              <a:lnSpc>
+                <a:spcPct val="150000"/>
+              </a:lnSpc>
+              <a:buFontTx/>
+              <a:buChar char="-"/>
+            </a:pPr>
+            <a:r>
+              <a:rPr lang="en-US" sz="2400" dirty="0" err="1">
+                <a:latin typeface="Tahoma" panose="020B0604030504040204" pitchFamily="34" charset="0"/>
+                <a:ea typeface="Tahoma" panose="020B0604030504040204" pitchFamily="34" charset="0"/>
+                <a:cs typeface="Tahoma" panose="020B0604030504040204" pitchFamily="34" charset="0"/>
+                <a:sym typeface="DM Sans"/>
+              </a:rPr>
+              <a:t>Tích</a:t>
+            </a:r>
+            <a:r>
+              <a:rPr lang="en-US" sz="2400" dirty="0">
+                <a:latin typeface="Tahoma" panose="020B0604030504040204" pitchFamily="34" charset="0"/>
+                <a:ea typeface="Tahoma" panose="020B0604030504040204" pitchFamily="34" charset="0"/>
+                <a:cs typeface="Tahoma" panose="020B0604030504040204" pitchFamily="34" charset="0"/>
+                <a:sym typeface="DM Sans"/>
+              </a:rPr>
+              <a:t> </a:t>
+            </a:r>
+            <a:r>
+              <a:rPr lang="en-US" sz="2400" dirty="0" err="1">
+                <a:latin typeface="Tahoma" panose="020B0604030504040204" pitchFamily="34" charset="0"/>
+                <a:ea typeface="Tahoma" panose="020B0604030504040204" pitchFamily="34" charset="0"/>
+                <a:cs typeface="Tahoma" panose="020B0604030504040204" pitchFamily="34" charset="0"/>
+                <a:sym typeface="DM Sans"/>
+              </a:rPr>
+              <a:t>hợp</a:t>
+            </a:r>
+            <a:r>
+              <a:rPr lang="en-US" sz="2400" dirty="0">
+                <a:latin typeface="Tahoma" panose="020B0604030504040204" pitchFamily="34" charset="0"/>
+                <a:ea typeface="Tahoma" panose="020B0604030504040204" pitchFamily="34" charset="0"/>
+                <a:cs typeface="Tahoma" panose="020B0604030504040204" pitchFamily="34" charset="0"/>
+                <a:sym typeface="DM Sans"/>
+              </a:rPr>
+              <a:t> </a:t>
+            </a:r>
+            <a:r>
+              <a:rPr lang="en-US" sz="2400" dirty="0" err="1">
+                <a:latin typeface="Tahoma" panose="020B0604030504040204" pitchFamily="34" charset="0"/>
+                <a:ea typeface="Tahoma" panose="020B0604030504040204" pitchFamily="34" charset="0"/>
+                <a:cs typeface="Tahoma" panose="020B0604030504040204" pitchFamily="34" charset="0"/>
+                <a:sym typeface="DM Sans"/>
+              </a:rPr>
+              <a:t>thêm</a:t>
+            </a:r>
+            <a:r>
+              <a:rPr lang="en-US" sz="2400" dirty="0">
+                <a:latin typeface="Tahoma" panose="020B0604030504040204" pitchFamily="34" charset="0"/>
+                <a:ea typeface="Tahoma" panose="020B0604030504040204" pitchFamily="34" charset="0"/>
+                <a:cs typeface="Tahoma" panose="020B0604030504040204" pitchFamily="34" charset="0"/>
+                <a:sym typeface="DM Sans"/>
+              </a:rPr>
+              <a:t> </a:t>
+            </a:r>
+            <a:r>
+              <a:rPr lang="en-US" sz="2400" dirty="0" err="1">
+                <a:latin typeface="Tahoma" panose="020B0604030504040204" pitchFamily="34" charset="0"/>
+                <a:ea typeface="Tahoma" panose="020B0604030504040204" pitchFamily="34" charset="0"/>
+                <a:cs typeface="Tahoma" panose="020B0604030504040204" pitchFamily="34" charset="0"/>
+                <a:sym typeface="DM Sans"/>
+              </a:rPr>
+              <a:t>các</a:t>
+            </a:r>
+            <a:r>
+              <a:rPr lang="en-US" sz="2400" dirty="0">
+                <a:latin typeface="Tahoma" panose="020B0604030504040204" pitchFamily="34" charset="0"/>
+                <a:ea typeface="Tahoma" panose="020B0604030504040204" pitchFamily="34" charset="0"/>
+                <a:cs typeface="Tahoma" panose="020B0604030504040204" pitchFamily="34" charset="0"/>
+                <a:sym typeface="DM Sans"/>
+              </a:rPr>
+              <a:t> </a:t>
+            </a:r>
+            <a:r>
+              <a:rPr lang="en-US" sz="2400" dirty="0" err="1">
+                <a:latin typeface="Tahoma" panose="020B0604030504040204" pitchFamily="34" charset="0"/>
+                <a:ea typeface="Tahoma" panose="020B0604030504040204" pitchFamily="34" charset="0"/>
+                <a:cs typeface="Tahoma" panose="020B0604030504040204" pitchFamily="34" charset="0"/>
+                <a:sym typeface="DM Sans"/>
+              </a:rPr>
+              <a:t>giao</a:t>
+            </a:r>
+            <a:r>
+              <a:rPr lang="en-US" sz="2400" dirty="0">
+                <a:latin typeface="Tahoma" panose="020B0604030504040204" pitchFamily="34" charset="0"/>
+                <a:ea typeface="Tahoma" panose="020B0604030504040204" pitchFamily="34" charset="0"/>
+                <a:cs typeface="Tahoma" panose="020B0604030504040204" pitchFamily="34" charset="0"/>
+                <a:sym typeface="DM Sans"/>
+              </a:rPr>
+              <a:t> </a:t>
+            </a:r>
+            <a:r>
+              <a:rPr lang="en-US" sz="2400" dirty="0" err="1">
+                <a:latin typeface="Tahoma" panose="020B0604030504040204" pitchFamily="34" charset="0"/>
+                <a:ea typeface="Tahoma" panose="020B0604030504040204" pitchFamily="34" charset="0"/>
+                <a:cs typeface="Tahoma" panose="020B0604030504040204" pitchFamily="34" charset="0"/>
+                <a:sym typeface="DM Sans"/>
+              </a:rPr>
+              <a:t>thức</a:t>
+            </a:r>
+            <a:r>
+              <a:rPr lang="en-US" sz="2400" dirty="0">
+                <a:latin typeface="Tahoma" panose="020B0604030504040204" pitchFamily="34" charset="0"/>
+                <a:ea typeface="Tahoma" panose="020B0604030504040204" pitchFamily="34" charset="0"/>
+                <a:cs typeface="Tahoma" panose="020B0604030504040204" pitchFamily="34" charset="0"/>
+                <a:sym typeface="DM Sans"/>
+              </a:rPr>
+              <a:t> IoT (Zigbee,…)</a:t>
+            </a:r>
+          </a:p>
+          <a:p>
+            <a:pPr marL="457200" lvl="0" indent="-457200">
+              <a:lnSpc>
+                <a:spcPct val="150000"/>
+              </a:lnSpc>
+              <a:buFontTx/>
+              <a:buChar char="-"/>
+            </a:pPr>
+            <a:r>
+              <a:rPr lang="en-US" sz="2400" dirty="0" err="1">
+                <a:latin typeface="Tahoma" panose="020B0604030504040204" pitchFamily="34" charset="0"/>
+                <a:ea typeface="Tahoma" panose="020B0604030504040204" pitchFamily="34" charset="0"/>
+                <a:cs typeface="Tahoma" panose="020B0604030504040204" pitchFamily="34" charset="0"/>
+                <a:sym typeface="DM Sans"/>
+              </a:rPr>
               <a:t>Thêm</a:t>
             </a:r>
             <a:r>
-              <a:rPr lang="en-US" sz="2800" dirty="0">
+              <a:rPr lang="en-US" sz="2400" dirty="0">
                 <a:latin typeface="Tahoma" panose="020B0604030504040204" pitchFamily="34" charset="0"/>
                 <a:ea typeface="Tahoma" panose="020B0604030504040204" pitchFamily="34" charset="0"/>
                 <a:cs typeface="Tahoma" panose="020B0604030504040204" pitchFamily="34" charset="0"/>
@@ -22258,7 +22725,7 @@
               <a:t> web-</a:t>
             </a:r>
             <a:r>
-              <a:rPr lang="en-US" sz="2800" dirty="0" err="1">
+              <a:rPr lang="en-US" sz="2400" dirty="0" err="1">
                 <a:latin typeface="Tahoma" panose="020B0604030504040204" pitchFamily="34" charset="0"/>
                 <a:ea typeface="Tahoma" panose="020B0604030504040204" pitchFamily="34" charset="0"/>
                 <a:cs typeface="Tahoma" panose="020B0604030504040204" pitchFamily="34" charset="0"/>
@@ -22267,7 +22734,7 @@
               <a:t>ui</a:t>
             </a:r>
             <a:r>
-              <a:rPr lang="en-US" sz="2800" dirty="0">
+              <a:rPr lang="en-US" sz="2400" dirty="0">
                 <a:latin typeface="Tahoma" panose="020B0604030504040204" pitchFamily="34" charset="0"/>
                 <a:ea typeface="Tahoma" panose="020B0604030504040204" pitchFamily="34" charset="0"/>
                 <a:cs typeface="Tahoma" panose="020B0604030504040204" pitchFamily="34" charset="0"/>
@@ -22276,7 +22743,7 @@
               <a:t> </a:t>
             </a:r>
             <a:r>
-              <a:rPr lang="en-US" sz="2800" dirty="0" err="1">
+              <a:rPr lang="en-US" sz="2400" dirty="0" err="1">
                 <a:latin typeface="Tahoma" panose="020B0604030504040204" pitchFamily="34" charset="0"/>
                 <a:ea typeface="Tahoma" panose="020B0604030504040204" pitchFamily="34" charset="0"/>
                 <a:cs typeface="Tahoma" panose="020B0604030504040204" pitchFamily="34" charset="0"/>
@@ -22285,41 +22752,23 @@
               <a:t>và</a:t>
             </a:r>
             <a:r>
-              <a:rPr lang="en-US" sz="2800" dirty="0">
+              <a:rPr lang="en-US" sz="2400" dirty="0">
                 <a:latin typeface="Tahoma" panose="020B0604030504040204" pitchFamily="34" charset="0"/>
                 <a:ea typeface="Tahoma" panose="020B0604030504040204" pitchFamily="34" charset="0"/>
                 <a:cs typeface="Tahoma" panose="020B0604030504040204" pitchFamily="34" charset="0"/>
                 <a:sym typeface="DM Sans"/>
               </a:rPr>
-              <a:t> mobile app </a:t>
-            </a:r>
-            <a:r>
-              <a:rPr lang="en-US" sz="2800" dirty="0" err="1">
-                <a:latin typeface="Tahoma" panose="020B0604030504040204" pitchFamily="34" charset="0"/>
-                <a:ea typeface="Tahoma" panose="020B0604030504040204" pitchFamily="34" charset="0"/>
-                <a:cs typeface="Tahoma" panose="020B0604030504040204" pitchFamily="34" charset="0"/>
-                <a:sym typeface="DM Sans"/>
-              </a:rPr>
-              <a:t>phía</a:t>
-            </a:r>
-            <a:r>
-              <a:rPr lang="en-US" sz="2800" dirty="0">
-                <a:latin typeface="Tahoma" panose="020B0604030504040204" pitchFamily="34" charset="0"/>
-                <a:ea typeface="Tahoma" panose="020B0604030504040204" pitchFamily="34" charset="0"/>
-                <a:cs typeface="Tahoma" panose="020B0604030504040204" pitchFamily="34" charset="0"/>
-                <a:sym typeface="DM Sans"/>
-              </a:rPr>
-              <a:t> user</a:t>
+              <a:t> mobile app</a:t>
             </a:r>
           </a:p>
           <a:p>
             <a:pPr lvl="0">
               <a:lnSpc>
-                <a:spcPts val="4480"/>
+                <a:spcPct val="150000"/>
               </a:lnSpc>
             </a:pPr>
             <a:r>
-              <a:rPr lang="en-US" sz="2800" dirty="0">
+              <a:rPr lang="en-US" sz="2400" dirty="0">
                 <a:latin typeface="Tahoma" panose="020B0604030504040204" pitchFamily="34" charset="0"/>
                 <a:ea typeface="Tahoma" panose="020B0604030504040204" pitchFamily="34" charset="0"/>
                 <a:cs typeface="Tahoma" panose="020B0604030504040204" pitchFamily="34" charset="0"/>
@@ -22328,7 +22777,7 @@
               <a:t>-   </a:t>
             </a:r>
             <a:r>
-              <a:rPr lang="en-US" sz="2800" dirty="0" err="1">
+              <a:rPr lang="en-US" sz="2400" dirty="0" err="1">
                 <a:latin typeface="Tahoma" panose="020B0604030504040204" pitchFamily="34" charset="0"/>
                 <a:ea typeface="Tahoma" panose="020B0604030504040204" pitchFamily="34" charset="0"/>
                 <a:cs typeface="Tahoma" panose="020B0604030504040204" pitchFamily="34" charset="0"/>
@@ -22337,7 +22786,7 @@
               <a:t>Triển</a:t>
             </a:r>
             <a:r>
-              <a:rPr lang="en-US" sz="2800" dirty="0">
+              <a:rPr lang="en-US" sz="2400" dirty="0">
                 <a:latin typeface="Tahoma" panose="020B0604030504040204" pitchFamily="34" charset="0"/>
                 <a:ea typeface="Tahoma" panose="020B0604030504040204" pitchFamily="34" charset="0"/>
                 <a:cs typeface="Tahoma" panose="020B0604030504040204" pitchFamily="34" charset="0"/>
@@ -22346,7 +22795,7 @@
               <a:t> </a:t>
             </a:r>
             <a:r>
-              <a:rPr lang="en-US" sz="2800" dirty="0" err="1">
+              <a:rPr lang="en-US" sz="2400" dirty="0" err="1">
                 <a:latin typeface="Tahoma" panose="020B0604030504040204" pitchFamily="34" charset="0"/>
                 <a:ea typeface="Tahoma" panose="020B0604030504040204" pitchFamily="34" charset="0"/>
                 <a:cs typeface="Tahoma" panose="020B0604030504040204" pitchFamily="34" charset="0"/>
@@ -22355,7 +22804,7 @@
               <a:t>khai</a:t>
             </a:r>
             <a:r>
-              <a:rPr lang="en-US" sz="2800" dirty="0">
+              <a:rPr lang="en-US" sz="2400" dirty="0">
                 <a:latin typeface="Tahoma" panose="020B0604030504040204" pitchFamily="34" charset="0"/>
                 <a:ea typeface="Tahoma" panose="020B0604030504040204" pitchFamily="34" charset="0"/>
                 <a:cs typeface="Tahoma" panose="020B0604030504040204" pitchFamily="34" charset="0"/>
@@ -22364,7 +22813,7 @@
               <a:t> </a:t>
             </a:r>
             <a:r>
-              <a:rPr lang="en-US" sz="2800" dirty="0" err="1">
+              <a:rPr lang="en-US" sz="2400" dirty="0" err="1">
                 <a:latin typeface="Tahoma" panose="020B0604030504040204" pitchFamily="34" charset="0"/>
                 <a:ea typeface="Tahoma" panose="020B0604030504040204" pitchFamily="34" charset="0"/>
                 <a:cs typeface="Tahoma" panose="020B0604030504040204" pitchFamily="34" charset="0"/>
@@ -22373,7 +22822,7 @@
               <a:t>trên</a:t>
             </a:r>
             <a:r>
-              <a:rPr lang="en-US" sz="2800" dirty="0">
+              <a:rPr lang="en-US" sz="2400" dirty="0">
                 <a:latin typeface="Tahoma" panose="020B0604030504040204" pitchFamily="34" charset="0"/>
                 <a:ea typeface="Tahoma" panose="020B0604030504040204" pitchFamily="34" charset="0"/>
                 <a:cs typeface="Tahoma" panose="020B0604030504040204" pitchFamily="34" charset="0"/>
@@ -22382,7 +22831,7 @@
               <a:t> cloud native (k8s) </a:t>
             </a:r>
             <a:r>
-              <a:rPr lang="en-US" sz="2800" dirty="0" err="1">
+              <a:rPr lang="en-US" sz="2400" dirty="0" err="1">
                 <a:latin typeface="Tahoma" panose="020B0604030504040204" pitchFamily="34" charset="0"/>
                 <a:ea typeface="Tahoma" panose="020B0604030504040204" pitchFamily="34" charset="0"/>
                 <a:cs typeface="Tahoma" panose="020B0604030504040204" pitchFamily="34" charset="0"/>
@@ -22391,17 +22840,22 @@
               <a:t>và</a:t>
             </a:r>
             <a:r>
-              <a:rPr lang="en-US" sz="2800" dirty="0">
+              <a:rPr lang="en-US" sz="2400" dirty="0">
                 <a:latin typeface="Tahoma" panose="020B0604030504040204" pitchFamily="34" charset="0"/>
                 <a:ea typeface="Tahoma" panose="020B0604030504040204" pitchFamily="34" charset="0"/>
                 <a:cs typeface="Tahoma" panose="020B0604030504040204" pitchFamily="34" charset="0"/>
                 <a:sym typeface="DM Sans"/>
               </a:rPr>
-              <a:t> cloud public (AWS / GCP)</a:t>
+              <a:t> cloud public (AWS / Azure/ GCP)</a:t>
             </a:r>
           </a:p>
           <a:p>
-            <a:endParaRPr lang="en-US" dirty="0"/>
+            <a:pPr>
+              <a:lnSpc>
+                <a:spcPct val="150000"/>
+              </a:lnSpc>
+            </a:pPr>
+            <a:endParaRPr lang="en-US" sz="2400" dirty="0"/>
           </a:p>
         </p:txBody>
       </p:sp>
